--- a/week7/diagrams.pptx
+++ b/week7/diagrams.pptx
@@ -110,6 +110,11 @@
       </a:defRPr>
     </a:lvl9pPr>
   </p:defaultTextStyle>
+  <p:extLst>
+    <p:ext uri="{EFAFB233-063F-42B5-8137-9DF3F51BA10A}">
+      <p15:sldGuideLst xmlns:p15="http://schemas.microsoft.com/office/powerpoint/2012/main"/>
+    </p:ext>
+  </p:extLst>
 </p:presentation>
 </file>
 
@@ -262,7 +267,7 @@
           <a:p>
             <a:fld id="{D8816DAC-6E03-45C8-A631-ADB6AF77B1FA}" type="datetimeFigureOut">
               <a:rPr lang="en-CA" smtClean="0"/>
-              <a:t>2021-02-08</a:t>
+              <a:t>2021-02-10</a:t>
             </a:fld>
             <a:endParaRPr lang="en-CA"/>
           </a:p>
@@ -462,7 +467,7 @@
           <a:p>
             <a:fld id="{D8816DAC-6E03-45C8-A631-ADB6AF77B1FA}" type="datetimeFigureOut">
               <a:rPr lang="en-CA" smtClean="0"/>
-              <a:t>2021-02-08</a:t>
+              <a:t>2021-02-10</a:t>
             </a:fld>
             <a:endParaRPr lang="en-CA"/>
           </a:p>
@@ -672,7 +677,7 @@
           <a:p>
             <a:fld id="{D8816DAC-6E03-45C8-A631-ADB6AF77B1FA}" type="datetimeFigureOut">
               <a:rPr lang="en-CA" smtClean="0"/>
-              <a:t>2021-02-08</a:t>
+              <a:t>2021-02-10</a:t>
             </a:fld>
             <a:endParaRPr lang="en-CA"/>
           </a:p>
@@ -872,7 +877,7 @@
           <a:p>
             <a:fld id="{D8816DAC-6E03-45C8-A631-ADB6AF77B1FA}" type="datetimeFigureOut">
               <a:rPr lang="en-CA" smtClean="0"/>
-              <a:t>2021-02-08</a:t>
+              <a:t>2021-02-10</a:t>
             </a:fld>
             <a:endParaRPr lang="en-CA"/>
           </a:p>
@@ -1148,7 +1153,7 @@
           <a:p>
             <a:fld id="{D8816DAC-6E03-45C8-A631-ADB6AF77B1FA}" type="datetimeFigureOut">
               <a:rPr lang="en-CA" smtClean="0"/>
-              <a:t>2021-02-08</a:t>
+              <a:t>2021-02-10</a:t>
             </a:fld>
             <a:endParaRPr lang="en-CA"/>
           </a:p>
@@ -1416,7 +1421,7 @@
           <a:p>
             <a:fld id="{D8816DAC-6E03-45C8-A631-ADB6AF77B1FA}" type="datetimeFigureOut">
               <a:rPr lang="en-CA" smtClean="0"/>
-              <a:t>2021-02-08</a:t>
+              <a:t>2021-02-10</a:t>
             </a:fld>
             <a:endParaRPr lang="en-CA"/>
           </a:p>
@@ -1831,7 +1836,7 @@
           <a:p>
             <a:fld id="{D8816DAC-6E03-45C8-A631-ADB6AF77B1FA}" type="datetimeFigureOut">
               <a:rPr lang="en-CA" smtClean="0"/>
-              <a:t>2021-02-08</a:t>
+              <a:t>2021-02-10</a:t>
             </a:fld>
             <a:endParaRPr lang="en-CA"/>
           </a:p>
@@ -1973,7 +1978,7 @@
           <a:p>
             <a:fld id="{D8816DAC-6E03-45C8-A631-ADB6AF77B1FA}" type="datetimeFigureOut">
               <a:rPr lang="en-CA" smtClean="0"/>
-              <a:t>2021-02-08</a:t>
+              <a:t>2021-02-10</a:t>
             </a:fld>
             <a:endParaRPr lang="en-CA"/>
           </a:p>
@@ -2086,7 +2091,7 @@
           <a:p>
             <a:fld id="{D8816DAC-6E03-45C8-A631-ADB6AF77B1FA}" type="datetimeFigureOut">
               <a:rPr lang="en-CA" smtClean="0"/>
-              <a:t>2021-02-08</a:t>
+              <a:t>2021-02-10</a:t>
             </a:fld>
             <a:endParaRPr lang="en-CA"/>
           </a:p>
@@ -2399,7 +2404,7 @@
           <a:p>
             <a:fld id="{D8816DAC-6E03-45C8-A631-ADB6AF77B1FA}" type="datetimeFigureOut">
               <a:rPr lang="en-CA" smtClean="0"/>
-              <a:t>2021-02-08</a:t>
+              <a:t>2021-02-10</a:t>
             </a:fld>
             <a:endParaRPr lang="en-CA"/>
           </a:p>
@@ -2688,7 +2693,7 @@
           <a:p>
             <a:fld id="{D8816DAC-6E03-45C8-A631-ADB6AF77B1FA}" type="datetimeFigureOut">
               <a:rPr lang="en-CA" smtClean="0"/>
-              <a:t>2021-02-08</a:t>
+              <a:t>2021-02-10</a:t>
             </a:fld>
             <a:endParaRPr lang="en-CA"/>
           </a:p>
@@ -2931,7 +2936,7 @@
           <a:p>
             <a:fld id="{D8816DAC-6E03-45C8-A631-ADB6AF77B1FA}" type="datetimeFigureOut">
               <a:rPr lang="en-CA" smtClean="0"/>
-              <a:t>2021-02-08</a:t>
+              <a:t>2021-02-10</a:t>
             </a:fld>
             <a:endParaRPr lang="en-CA"/>
           </a:p>

--- a/week7/diagrams.pptx
+++ b/week7/diagrams.pptx
@@ -7,11 +7,14 @@
   <p:sldIdLst>
     <p:sldId id="256" r:id="rId2"/>
     <p:sldId id="261" r:id="rId3"/>
-    <p:sldId id="262" r:id="rId4"/>
-    <p:sldId id="257" r:id="rId5"/>
-    <p:sldId id="258" r:id="rId6"/>
-    <p:sldId id="259" r:id="rId7"/>
-    <p:sldId id="260" r:id="rId8"/>
+    <p:sldId id="263" r:id="rId4"/>
+    <p:sldId id="264" r:id="rId5"/>
+    <p:sldId id="265" r:id="rId6"/>
+    <p:sldId id="262" r:id="rId7"/>
+    <p:sldId id="257" r:id="rId8"/>
+    <p:sldId id="258" r:id="rId9"/>
+    <p:sldId id="259" r:id="rId10"/>
+    <p:sldId id="260" r:id="rId11"/>
   </p:sldIdLst>
   <p:sldSz cx="12192000" cy="6858000"/>
   <p:notesSz cx="6858000" cy="9144000"/>
@@ -267,7 +270,7 @@
           <a:p>
             <a:fld id="{D8816DAC-6E03-45C8-A631-ADB6AF77B1FA}" type="datetimeFigureOut">
               <a:rPr lang="en-CA" smtClean="0"/>
-              <a:t>2021-02-10</a:t>
+              <a:t>2021-02-15</a:t>
             </a:fld>
             <a:endParaRPr lang="en-CA"/>
           </a:p>
@@ -467,7 +470,7 @@
           <a:p>
             <a:fld id="{D8816DAC-6E03-45C8-A631-ADB6AF77B1FA}" type="datetimeFigureOut">
               <a:rPr lang="en-CA" smtClean="0"/>
-              <a:t>2021-02-10</a:t>
+              <a:t>2021-02-15</a:t>
             </a:fld>
             <a:endParaRPr lang="en-CA"/>
           </a:p>
@@ -677,7 +680,7 @@
           <a:p>
             <a:fld id="{D8816DAC-6E03-45C8-A631-ADB6AF77B1FA}" type="datetimeFigureOut">
               <a:rPr lang="en-CA" smtClean="0"/>
-              <a:t>2021-02-10</a:t>
+              <a:t>2021-02-15</a:t>
             </a:fld>
             <a:endParaRPr lang="en-CA"/>
           </a:p>
@@ -877,7 +880,7 @@
           <a:p>
             <a:fld id="{D8816DAC-6E03-45C8-A631-ADB6AF77B1FA}" type="datetimeFigureOut">
               <a:rPr lang="en-CA" smtClean="0"/>
-              <a:t>2021-02-10</a:t>
+              <a:t>2021-02-15</a:t>
             </a:fld>
             <a:endParaRPr lang="en-CA"/>
           </a:p>
@@ -1153,7 +1156,7 @@
           <a:p>
             <a:fld id="{D8816DAC-6E03-45C8-A631-ADB6AF77B1FA}" type="datetimeFigureOut">
               <a:rPr lang="en-CA" smtClean="0"/>
-              <a:t>2021-02-10</a:t>
+              <a:t>2021-02-15</a:t>
             </a:fld>
             <a:endParaRPr lang="en-CA"/>
           </a:p>
@@ -1421,7 +1424,7 @@
           <a:p>
             <a:fld id="{D8816DAC-6E03-45C8-A631-ADB6AF77B1FA}" type="datetimeFigureOut">
               <a:rPr lang="en-CA" smtClean="0"/>
-              <a:t>2021-02-10</a:t>
+              <a:t>2021-02-15</a:t>
             </a:fld>
             <a:endParaRPr lang="en-CA"/>
           </a:p>
@@ -1836,7 +1839,7 @@
           <a:p>
             <a:fld id="{D8816DAC-6E03-45C8-A631-ADB6AF77B1FA}" type="datetimeFigureOut">
               <a:rPr lang="en-CA" smtClean="0"/>
-              <a:t>2021-02-10</a:t>
+              <a:t>2021-02-15</a:t>
             </a:fld>
             <a:endParaRPr lang="en-CA"/>
           </a:p>
@@ -1978,7 +1981,7 @@
           <a:p>
             <a:fld id="{D8816DAC-6E03-45C8-A631-ADB6AF77B1FA}" type="datetimeFigureOut">
               <a:rPr lang="en-CA" smtClean="0"/>
-              <a:t>2021-02-10</a:t>
+              <a:t>2021-02-15</a:t>
             </a:fld>
             <a:endParaRPr lang="en-CA"/>
           </a:p>
@@ -2091,7 +2094,7 @@
           <a:p>
             <a:fld id="{D8816DAC-6E03-45C8-A631-ADB6AF77B1FA}" type="datetimeFigureOut">
               <a:rPr lang="en-CA" smtClean="0"/>
-              <a:t>2021-02-10</a:t>
+              <a:t>2021-02-15</a:t>
             </a:fld>
             <a:endParaRPr lang="en-CA"/>
           </a:p>
@@ -2404,7 +2407,7 @@
           <a:p>
             <a:fld id="{D8816DAC-6E03-45C8-A631-ADB6AF77B1FA}" type="datetimeFigureOut">
               <a:rPr lang="en-CA" smtClean="0"/>
-              <a:t>2021-02-10</a:t>
+              <a:t>2021-02-15</a:t>
             </a:fld>
             <a:endParaRPr lang="en-CA"/>
           </a:p>
@@ -2693,7 +2696,7 @@
           <a:p>
             <a:fld id="{D8816DAC-6E03-45C8-A631-ADB6AF77B1FA}" type="datetimeFigureOut">
               <a:rPr lang="en-CA" smtClean="0"/>
-              <a:t>2021-02-10</a:t>
+              <a:t>2021-02-15</a:t>
             </a:fld>
             <a:endParaRPr lang="en-CA"/>
           </a:p>
@@ -2936,7 +2939,7 @@
           <a:p>
             <a:fld id="{D8816DAC-6E03-45C8-A631-ADB6AF77B1FA}" type="datetimeFigureOut">
               <a:rPr lang="en-CA" smtClean="0"/>
-              <a:t>2021-02-10</a:t>
+              <a:t>2021-02-15</a:t>
             </a:fld>
             <a:endParaRPr lang="en-CA"/>
           </a:p>
@@ -3781,6 +3784,36 @@
 </p:sld>
 </file>
 
+<file path=ppt/slides/slide10.xml><?xml version="1.0" encoding="utf-8"?>
+<p:sld xmlns:a="http://schemas.openxmlformats.org/drawingml/2006/main" xmlns:r="http://schemas.openxmlformats.org/officeDocument/2006/relationships" xmlns:p="http://schemas.openxmlformats.org/presentationml/2006/main">
+  <p:cSld>
+    <p:spTree>
+      <p:nvGrpSpPr>
+        <p:cNvPr id="1" name=""/>
+        <p:cNvGrpSpPr/>
+        <p:nvPr/>
+      </p:nvGrpSpPr>
+      <p:grpSpPr>
+        <a:xfrm>
+          <a:off x="0" y="0"/>
+          <a:ext cx="0" cy="0"/>
+          <a:chOff x="0" y="0"/>
+          <a:chExt cx="0" cy="0"/>
+        </a:xfrm>
+      </p:grpSpPr>
+    </p:spTree>
+    <p:extLst>
+      <p:ext uri="{BB962C8B-B14F-4D97-AF65-F5344CB8AC3E}">
+        <p14:creationId xmlns:p14="http://schemas.microsoft.com/office/powerpoint/2010/main" val="836386759"/>
+      </p:ext>
+    </p:extLst>
+  </p:cSld>
+  <p:clrMapOvr>
+    <a:masterClrMapping/>
+  </p:clrMapOvr>
+</p:sld>
+</file>
+
 <file path=ppt/slides/slide2.xml><?xml version="1.0" encoding="utf-8"?>
 <p:sld xmlns:a="http://schemas.openxmlformats.org/drawingml/2006/main" xmlns:r="http://schemas.openxmlformats.org/officeDocument/2006/relationships" xmlns:p="http://schemas.openxmlformats.org/presentationml/2006/main">
   <p:cSld>
@@ -4491,6 +4524,128 @@
           </a:fontRef>
         </p:style>
       </p:cxnSp>
+      <p:sp>
+        <p:nvSpPr>
+          <p:cNvPr id="15" name="Rectangle 14">
+            <a:extLst>
+              <a:ext uri="{FF2B5EF4-FFF2-40B4-BE49-F238E27FC236}">
+                <a16:creationId xmlns:a16="http://schemas.microsoft.com/office/drawing/2014/main" id="{5D31F9EF-DC09-448A-9BDB-FED2208761A7}"/>
+              </a:ext>
+            </a:extLst>
+          </p:cNvPr>
+          <p:cNvSpPr/>
+          <p:nvPr/>
+        </p:nvSpPr>
+        <p:spPr>
+          <a:xfrm>
+            <a:off x="4315792" y="1992494"/>
+            <a:ext cx="691036" cy="648244"/>
+          </a:xfrm>
+          <a:prstGeom prst="rect">
+            <a:avLst/>
+          </a:prstGeom>
+          <a:noFill/>
+          <a:ln w="12700">
+            <a:noFill/>
+          </a:ln>
+        </p:spPr>
+        <p:style>
+          <a:lnRef idx="2">
+            <a:schemeClr val="accent1">
+              <a:shade val="50000"/>
+            </a:schemeClr>
+          </a:lnRef>
+          <a:fillRef idx="1">
+            <a:schemeClr val="accent1"/>
+          </a:fillRef>
+          <a:effectRef idx="0">
+            <a:schemeClr val="accent1"/>
+          </a:effectRef>
+          <a:fontRef idx="minor">
+            <a:schemeClr val="lt1"/>
+          </a:fontRef>
+        </p:style>
+        <p:txBody>
+          <a:bodyPr rtlCol="0" anchor="ctr"/>
+          <a:lstStyle/>
+          <a:p>
+            <a:r>
+              <a:rPr lang="en-CA" sz="1600" i="1" dirty="0">
+                <a:solidFill>
+                  <a:schemeClr val="tx1"/>
+                </a:solidFill>
+              </a:rPr>
+              <a:t>TRUE</a:t>
+            </a:r>
+            <a:endParaRPr lang="en-CA" sz="1000" dirty="0">
+              <a:solidFill>
+                <a:schemeClr val="tx1"/>
+              </a:solidFill>
+            </a:endParaRPr>
+          </a:p>
+        </p:txBody>
+      </p:sp>
+      <p:sp>
+        <p:nvSpPr>
+          <p:cNvPr id="18" name="Rectangle 17">
+            <a:extLst>
+              <a:ext uri="{FF2B5EF4-FFF2-40B4-BE49-F238E27FC236}">
+                <a16:creationId xmlns:a16="http://schemas.microsoft.com/office/drawing/2014/main" id="{3DD26125-6792-427D-9F87-DDAF43EB89B1}"/>
+              </a:ext>
+            </a:extLst>
+          </p:cNvPr>
+          <p:cNvSpPr/>
+          <p:nvPr/>
+        </p:nvSpPr>
+        <p:spPr>
+          <a:xfrm>
+            <a:off x="6610350" y="1985554"/>
+            <a:ext cx="691036" cy="648244"/>
+          </a:xfrm>
+          <a:prstGeom prst="rect">
+            <a:avLst/>
+          </a:prstGeom>
+          <a:noFill/>
+          <a:ln w="12700">
+            <a:noFill/>
+          </a:ln>
+        </p:spPr>
+        <p:style>
+          <a:lnRef idx="2">
+            <a:schemeClr val="accent1">
+              <a:shade val="50000"/>
+            </a:schemeClr>
+          </a:lnRef>
+          <a:fillRef idx="1">
+            <a:schemeClr val="accent1"/>
+          </a:fillRef>
+          <a:effectRef idx="0">
+            <a:schemeClr val="accent1"/>
+          </a:effectRef>
+          <a:fontRef idx="minor">
+            <a:schemeClr val="lt1"/>
+          </a:fontRef>
+        </p:style>
+        <p:txBody>
+          <a:bodyPr rtlCol="0" anchor="ctr"/>
+          <a:lstStyle/>
+          <a:p>
+            <a:r>
+              <a:rPr lang="en-CA" sz="1600" i="1" dirty="0">
+                <a:solidFill>
+                  <a:schemeClr val="tx1"/>
+                </a:solidFill>
+              </a:rPr>
+              <a:t>FALSE</a:t>
+            </a:r>
+            <a:endParaRPr lang="en-CA" sz="1000" dirty="0">
+              <a:solidFill>
+                <a:schemeClr val="tx1"/>
+              </a:solidFill>
+            </a:endParaRPr>
+          </a:p>
+        </p:txBody>
+      </p:sp>
     </p:spTree>
     <p:extLst>
       <p:ext uri="{BB962C8B-B14F-4D97-AF65-F5344CB8AC3E}">
@@ -4606,9 +4761,9 @@
           <p:nvPr/>
         </p:nvCxnSpPr>
         <p:spPr>
-          <a:xfrm flipH="1">
-            <a:off x="5775006" y="850174"/>
-            <a:ext cx="2" cy="1157152"/>
+          <a:xfrm>
+            <a:off x="5775008" y="850174"/>
+            <a:ext cx="1" cy="565785"/>
           </a:xfrm>
           <a:prstGeom prst="straightConnector1">
             <a:avLst/>
@@ -4639,10 +4794,10 @@
       </p:cxnSp>
       <p:sp>
         <p:nvSpPr>
-          <p:cNvPr id="11" name="Rectangle 10">
-            <a:extLst>
-              <a:ext uri="{FF2B5EF4-FFF2-40B4-BE49-F238E27FC236}">
-                <a16:creationId xmlns:a16="http://schemas.microsoft.com/office/drawing/2014/main" id="{09A6DFE9-E67E-4454-84B4-A68044F1DBD2}"/>
+          <p:cNvPr id="8" name="Rectangle 7">
+            <a:extLst>
+              <a:ext uri="{FF2B5EF4-FFF2-40B4-BE49-F238E27FC236}">
+                <a16:creationId xmlns:a16="http://schemas.microsoft.com/office/drawing/2014/main" id="{4C7682F7-78F8-4D41-B681-B19C5177C6F3}"/>
               </a:ext>
             </a:extLst>
           </p:cNvPr>
@@ -4651,7 +4806,7 @@
         </p:nvSpPr>
         <p:spPr>
           <a:xfrm>
-            <a:off x="5019675" y="4394291"/>
+            <a:off x="5019675" y="4244884"/>
             <a:ext cx="1510665" cy="548640"/>
           </a:xfrm>
           <a:prstGeom prst="rect">
@@ -4705,6 +4860,3120 @@
           </a:p>
         </p:txBody>
       </p:sp>
+      <p:sp>
+        <p:nvSpPr>
+          <p:cNvPr id="11" name="Rectangle 10">
+            <a:extLst>
+              <a:ext uri="{FF2B5EF4-FFF2-40B4-BE49-F238E27FC236}">
+                <a16:creationId xmlns:a16="http://schemas.microsoft.com/office/drawing/2014/main" id="{09A6DFE9-E67E-4454-84B4-A68044F1DBD2}"/>
+              </a:ext>
+            </a:extLst>
+          </p:cNvPr>
+          <p:cNvSpPr/>
+          <p:nvPr/>
+        </p:nvSpPr>
+        <p:spPr>
+          <a:xfrm>
+            <a:off x="5019675" y="5321209"/>
+            <a:ext cx="1510665" cy="548640"/>
+          </a:xfrm>
+          <a:prstGeom prst="rect">
+            <a:avLst/>
+          </a:prstGeom>
+          <a:solidFill>
+            <a:schemeClr val="accent5">
+              <a:lumMod val="20000"/>
+              <a:lumOff val="80000"/>
+            </a:schemeClr>
+          </a:solidFill>
+          <a:ln w="12700">
+            <a:solidFill>
+              <a:schemeClr val="accent5">
+                <a:lumMod val="75000"/>
+              </a:schemeClr>
+            </a:solidFill>
+          </a:ln>
+        </p:spPr>
+        <p:style>
+          <a:lnRef idx="2">
+            <a:schemeClr val="accent1">
+              <a:shade val="50000"/>
+            </a:schemeClr>
+          </a:lnRef>
+          <a:fillRef idx="1">
+            <a:schemeClr val="accent1"/>
+          </a:fillRef>
+          <a:effectRef idx="0">
+            <a:schemeClr val="accent1"/>
+          </a:effectRef>
+          <a:fontRef idx="minor">
+            <a:schemeClr val="lt1"/>
+          </a:fontRef>
+        </p:style>
+        <p:txBody>
+          <a:bodyPr rtlCol="0" anchor="ctr"/>
+          <a:lstStyle/>
+          <a:p>
+            <a:pPr algn="ctr"/>
+            <a:r>
+              <a:rPr lang="en-CA" dirty="0">
+                <a:solidFill>
+                  <a:schemeClr val="accent5">
+                    <a:lumMod val="75000"/>
+                  </a:schemeClr>
+                </a:solidFill>
+              </a:rPr>
+              <a:t>Statement</a:t>
+            </a:r>
+          </a:p>
+        </p:txBody>
+      </p:sp>
+      <p:cxnSp>
+        <p:nvCxnSpPr>
+          <p:cNvPr id="12" name="Straight Arrow Connector 11">
+            <a:extLst>
+              <a:ext uri="{FF2B5EF4-FFF2-40B4-BE49-F238E27FC236}">
+                <a16:creationId xmlns:a16="http://schemas.microsoft.com/office/drawing/2014/main" id="{EB11CD2E-F40C-436F-9BCF-0F4DE8CBB52E}"/>
+              </a:ext>
+            </a:extLst>
+          </p:cNvPr>
+          <p:cNvCxnSpPr>
+            <a:cxnSpLocks/>
+            <a:stCxn id="8" idx="2"/>
+            <a:endCxn id="11" idx="0"/>
+          </p:cNvCxnSpPr>
+          <p:nvPr/>
+        </p:nvCxnSpPr>
+        <p:spPr>
+          <a:xfrm>
+            <a:off x="5775008" y="4793524"/>
+            <a:ext cx="0" cy="527685"/>
+          </a:xfrm>
+          <a:prstGeom prst="straightConnector1">
+            <a:avLst/>
+          </a:prstGeom>
+          <a:ln w="44450">
+            <a:solidFill>
+              <a:schemeClr val="accent5">
+                <a:lumMod val="75000"/>
+              </a:schemeClr>
+            </a:solidFill>
+            <a:tailEnd type="triangle"/>
+          </a:ln>
+        </p:spPr>
+        <p:style>
+          <a:lnRef idx="1">
+            <a:schemeClr val="accent1"/>
+          </a:lnRef>
+          <a:fillRef idx="0">
+            <a:schemeClr val="accent1"/>
+          </a:fillRef>
+          <a:effectRef idx="0">
+            <a:schemeClr val="accent1"/>
+          </a:effectRef>
+          <a:fontRef idx="minor">
+            <a:schemeClr val="tx1"/>
+          </a:fontRef>
+        </p:style>
+      </p:cxnSp>
+      <p:sp>
+        <p:nvSpPr>
+          <p:cNvPr id="3" name="Diamond 2">
+            <a:extLst>
+              <a:ext uri="{FF2B5EF4-FFF2-40B4-BE49-F238E27FC236}">
+                <a16:creationId xmlns:a16="http://schemas.microsoft.com/office/drawing/2014/main" id="{88CA3CA8-F783-4D69-B476-6AC95A659A1B}"/>
+              </a:ext>
+            </a:extLst>
+          </p:cNvPr>
+          <p:cNvSpPr/>
+          <p:nvPr/>
+        </p:nvSpPr>
+        <p:spPr>
+          <a:xfrm>
+            <a:off x="5019678" y="1415959"/>
+            <a:ext cx="1510662" cy="1421674"/>
+          </a:xfrm>
+          <a:prstGeom prst="diamond">
+            <a:avLst/>
+          </a:prstGeom>
+          <a:solidFill>
+            <a:srgbClr val="FFB9B9"/>
+          </a:solidFill>
+          <a:ln>
+            <a:solidFill>
+              <a:srgbClr val="FF0000"/>
+            </a:solidFill>
+          </a:ln>
+        </p:spPr>
+        <p:style>
+          <a:lnRef idx="2">
+            <a:schemeClr val="accent1">
+              <a:shade val="50000"/>
+            </a:schemeClr>
+          </a:lnRef>
+          <a:fillRef idx="1">
+            <a:schemeClr val="accent1"/>
+          </a:fillRef>
+          <a:effectRef idx="0">
+            <a:schemeClr val="accent1"/>
+          </a:effectRef>
+          <a:fontRef idx="minor">
+            <a:schemeClr val="lt1"/>
+          </a:fontRef>
+        </p:style>
+        <p:txBody>
+          <a:bodyPr lIns="0" tIns="0" rIns="0" bIns="0" rtlCol="0" anchor="ctr"/>
+          <a:lstStyle/>
+          <a:p>
+            <a:pPr algn="ctr"/>
+            <a:r>
+              <a:rPr lang="en-CA" sz="1500" dirty="0">
+                <a:solidFill>
+                  <a:schemeClr val="tx1"/>
+                </a:solidFill>
+              </a:rPr>
+              <a:t>Condition</a:t>
+            </a:r>
+          </a:p>
+        </p:txBody>
+      </p:sp>
+      <p:sp>
+        <p:nvSpPr>
+          <p:cNvPr id="13" name="Rectangle 12">
+            <a:extLst>
+              <a:ext uri="{FF2B5EF4-FFF2-40B4-BE49-F238E27FC236}">
+                <a16:creationId xmlns:a16="http://schemas.microsoft.com/office/drawing/2014/main" id="{A810ECD4-A69E-40D6-8CEC-35BB62BB267C}"/>
+              </a:ext>
+            </a:extLst>
+          </p:cNvPr>
+          <p:cNvSpPr/>
+          <p:nvPr/>
+        </p:nvSpPr>
+        <p:spPr>
+          <a:xfrm>
+            <a:off x="5809769" y="2728776"/>
+            <a:ext cx="1704971" cy="648244"/>
+          </a:xfrm>
+          <a:prstGeom prst="rect">
+            <a:avLst/>
+          </a:prstGeom>
+          <a:noFill/>
+          <a:ln w="12700">
+            <a:noFill/>
+          </a:ln>
+        </p:spPr>
+        <p:style>
+          <a:lnRef idx="2">
+            <a:schemeClr val="accent1">
+              <a:shade val="50000"/>
+            </a:schemeClr>
+          </a:lnRef>
+          <a:fillRef idx="1">
+            <a:schemeClr val="accent1"/>
+          </a:fillRef>
+          <a:effectRef idx="0">
+            <a:schemeClr val="accent1"/>
+          </a:effectRef>
+          <a:fontRef idx="minor">
+            <a:schemeClr val="lt1"/>
+          </a:fontRef>
+        </p:style>
+        <p:txBody>
+          <a:bodyPr rtlCol="0" anchor="ctr"/>
+          <a:lstStyle/>
+          <a:p>
+            <a:r>
+              <a:rPr lang="en-CA" sz="1600" i="1" dirty="0">
+                <a:solidFill>
+                  <a:schemeClr val="tx1"/>
+                </a:solidFill>
+              </a:rPr>
+              <a:t>FALSE</a:t>
+            </a:r>
+          </a:p>
+          <a:p>
+            <a:r>
+              <a:rPr lang="en-CA" sz="1200" dirty="0">
+                <a:solidFill>
+                  <a:schemeClr val="tx1"/>
+                </a:solidFill>
+              </a:rPr>
+              <a:t>(just keep going</a:t>
+            </a:r>
+            <a:r>
+              <a:rPr lang="en-CA" sz="1000" dirty="0">
+                <a:solidFill>
+                  <a:schemeClr val="tx1"/>
+                </a:solidFill>
+              </a:rPr>
+              <a:t>)</a:t>
+            </a:r>
+          </a:p>
+        </p:txBody>
+      </p:sp>
+      <p:sp>
+        <p:nvSpPr>
+          <p:cNvPr id="14" name="Rectangle 13">
+            <a:extLst>
+              <a:ext uri="{FF2B5EF4-FFF2-40B4-BE49-F238E27FC236}">
+                <a16:creationId xmlns:a16="http://schemas.microsoft.com/office/drawing/2014/main" id="{E9EC7144-D352-4BBF-8E2C-D8593EEBDD78}"/>
+              </a:ext>
+            </a:extLst>
+          </p:cNvPr>
+          <p:cNvSpPr/>
+          <p:nvPr/>
+        </p:nvSpPr>
+        <p:spPr>
+          <a:xfrm>
+            <a:off x="3349469" y="3154680"/>
+            <a:ext cx="1704971" cy="648244"/>
+          </a:xfrm>
+          <a:prstGeom prst="rect">
+            <a:avLst/>
+          </a:prstGeom>
+          <a:solidFill>
+            <a:srgbClr val="FFB9B9"/>
+          </a:solidFill>
+          <a:ln w="12700">
+            <a:solidFill>
+              <a:srgbClr val="FF0000"/>
+            </a:solidFill>
+          </a:ln>
+        </p:spPr>
+        <p:style>
+          <a:lnRef idx="2">
+            <a:schemeClr val="accent1">
+              <a:shade val="50000"/>
+            </a:schemeClr>
+          </a:lnRef>
+          <a:fillRef idx="1">
+            <a:schemeClr val="accent1"/>
+          </a:fillRef>
+          <a:effectRef idx="0">
+            <a:schemeClr val="accent1"/>
+          </a:effectRef>
+          <a:fontRef idx="minor">
+            <a:schemeClr val="lt1"/>
+          </a:fontRef>
+        </p:style>
+        <p:txBody>
+          <a:bodyPr rtlCol="0" anchor="ctr"/>
+          <a:lstStyle/>
+          <a:p>
+            <a:pPr algn="ctr"/>
+            <a:r>
+              <a:rPr lang="en-CA" sz="1600" dirty="0">
+                <a:solidFill>
+                  <a:schemeClr val="tx1"/>
+                </a:solidFill>
+              </a:rPr>
+              <a:t>If </a:t>
+            </a:r>
+            <a:r>
+              <a:rPr lang="en-CA" sz="1600" i="1" dirty="0">
+                <a:solidFill>
+                  <a:schemeClr val="tx1"/>
+                </a:solidFill>
+              </a:rPr>
+              <a:t>true</a:t>
+            </a:r>
+            <a:r>
+              <a:rPr lang="en-CA" sz="1600" dirty="0">
+                <a:solidFill>
+                  <a:schemeClr val="tx1"/>
+                </a:solidFill>
+              </a:rPr>
+              <a:t> statement</a:t>
+            </a:r>
+          </a:p>
+        </p:txBody>
+      </p:sp>
+      <p:cxnSp>
+        <p:nvCxnSpPr>
+          <p:cNvPr id="17" name="Connector: Elbow 16">
+            <a:extLst>
+              <a:ext uri="{FF2B5EF4-FFF2-40B4-BE49-F238E27FC236}">
+                <a16:creationId xmlns:a16="http://schemas.microsoft.com/office/drawing/2014/main" id="{D04AB3FE-8792-423C-A1F0-874EFA84DAD3}"/>
+              </a:ext>
+            </a:extLst>
+          </p:cNvPr>
+          <p:cNvCxnSpPr>
+            <a:cxnSpLocks/>
+            <a:stCxn id="3" idx="1"/>
+            <a:endCxn id="14" idx="0"/>
+          </p:cNvCxnSpPr>
+          <p:nvPr/>
+        </p:nvCxnSpPr>
+        <p:spPr>
+          <a:xfrm rot="10800000" flipV="1">
+            <a:off x="4201956" y="2126796"/>
+            <a:ext cx="817723" cy="1027884"/>
+          </a:xfrm>
+          <a:prstGeom prst="bentConnector2">
+            <a:avLst/>
+          </a:prstGeom>
+          <a:ln w="44450">
+            <a:solidFill>
+              <a:srgbClr val="FF0000"/>
+            </a:solidFill>
+            <a:tailEnd type="triangle"/>
+          </a:ln>
+        </p:spPr>
+        <p:style>
+          <a:lnRef idx="1">
+            <a:schemeClr val="accent1"/>
+          </a:lnRef>
+          <a:fillRef idx="0">
+            <a:schemeClr val="accent1"/>
+          </a:fillRef>
+          <a:effectRef idx="0">
+            <a:schemeClr val="accent1"/>
+          </a:effectRef>
+          <a:fontRef idx="minor">
+            <a:schemeClr val="tx1"/>
+          </a:fontRef>
+        </p:style>
+      </p:cxnSp>
+      <p:cxnSp>
+        <p:nvCxnSpPr>
+          <p:cNvPr id="18" name="Straight Arrow Connector 17">
+            <a:extLst>
+              <a:ext uri="{FF2B5EF4-FFF2-40B4-BE49-F238E27FC236}">
+                <a16:creationId xmlns:a16="http://schemas.microsoft.com/office/drawing/2014/main" id="{936D5556-2C13-45F5-85DC-4F5AC48DB681}"/>
+              </a:ext>
+            </a:extLst>
+          </p:cNvPr>
+          <p:cNvCxnSpPr>
+            <a:cxnSpLocks/>
+            <a:stCxn id="3" idx="2"/>
+            <a:endCxn id="8" idx="0"/>
+          </p:cNvCxnSpPr>
+          <p:nvPr/>
+        </p:nvCxnSpPr>
+        <p:spPr>
+          <a:xfrm flipH="1">
+            <a:off x="5775008" y="2837633"/>
+            <a:ext cx="1" cy="1407251"/>
+          </a:xfrm>
+          <a:prstGeom prst="straightConnector1">
+            <a:avLst/>
+          </a:prstGeom>
+          <a:ln w="44450">
+            <a:solidFill>
+              <a:schemeClr val="accent5">
+                <a:lumMod val="75000"/>
+              </a:schemeClr>
+            </a:solidFill>
+            <a:tailEnd type="triangle"/>
+          </a:ln>
+        </p:spPr>
+        <p:style>
+          <a:lnRef idx="1">
+            <a:schemeClr val="accent1"/>
+          </a:lnRef>
+          <a:fillRef idx="0">
+            <a:schemeClr val="accent1"/>
+          </a:fillRef>
+          <a:effectRef idx="0">
+            <a:schemeClr val="accent1"/>
+          </a:effectRef>
+          <a:fontRef idx="minor">
+            <a:schemeClr val="tx1"/>
+          </a:fontRef>
+        </p:style>
+      </p:cxnSp>
+      <p:cxnSp>
+        <p:nvCxnSpPr>
+          <p:cNvPr id="23" name="Straight Arrow Connector 22">
+            <a:extLst>
+              <a:ext uri="{FF2B5EF4-FFF2-40B4-BE49-F238E27FC236}">
+                <a16:creationId xmlns:a16="http://schemas.microsoft.com/office/drawing/2014/main" id="{244CB9F9-9DE8-4F3C-A244-650C0A8DFA29}"/>
+              </a:ext>
+            </a:extLst>
+          </p:cNvPr>
+          <p:cNvCxnSpPr>
+            <a:cxnSpLocks/>
+            <a:stCxn id="14" idx="3"/>
+          </p:cNvCxnSpPr>
+          <p:nvPr/>
+        </p:nvCxnSpPr>
+        <p:spPr>
+          <a:xfrm>
+            <a:off x="5054440" y="3478802"/>
+            <a:ext cx="720567" cy="0"/>
+          </a:xfrm>
+          <a:prstGeom prst="straightConnector1">
+            <a:avLst/>
+          </a:prstGeom>
+          <a:ln w="44450">
+            <a:solidFill>
+              <a:srgbClr val="FF0000"/>
+            </a:solidFill>
+            <a:tailEnd type="triangle"/>
+          </a:ln>
+        </p:spPr>
+        <p:style>
+          <a:lnRef idx="1">
+            <a:schemeClr val="accent1"/>
+          </a:lnRef>
+          <a:fillRef idx="0">
+            <a:schemeClr val="accent1"/>
+          </a:fillRef>
+          <a:effectRef idx="0">
+            <a:schemeClr val="accent1"/>
+          </a:effectRef>
+          <a:fontRef idx="minor">
+            <a:schemeClr val="tx1"/>
+          </a:fontRef>
+        </p:style>
+      </p:cxnSp>
+      <p:sp>
+        <p:nvSpPr>
+          <p:cNvPr id="25" name="Rectangle 24">
+            <a:extLst>
+              <a:ext uri="{FF2B5EF4-FFF2-40B4-BE49-F238E27FC236}">
+                <a16:creationId xmlns:a16="http://schemas.microsoft.com/office/drawing/2014/main" id="{AD7CC023-7C3E-47D3-9761-42904708F7EE}"/>
+              </a:ext>
+            </a:extLst>
+          </p:cNvPr>
+          <p:cNvSpPr/>
+          <p:nvPr/>
+        </p:nvSpPr>
+        <p:spPr>
+          <a:xfrm>
+            <a:off x="4315792" y="1992494"/>
+            <a:ext cx="691036" cy="648244"/>
+          </a:xfrm>
+          <a:prstGeom prst="rect">
+            <a:avLst/>
+          </a:prstGeom>
+          <a:noFill/>
+          <a:ln w="12700">
+            <a:noFill/>
+          </a:ln>
+        </p:spPr>
+        <p:style>
+          <a:lnRef idx="2">
+            <a:schemeClr val="accent1">
+              <a:shade val="50000"/>
+            </a:schemeClr>
+          </a:lnRef>
+          <a:fillRef idx="1">
+            <a:schemeClr val="accent1"/>
+          </a:fillRef>
+          <a:effectRef idx="0">
+            <a:schemeClr val="accent1"/>
+          </a:effectRef>
+          <a:fontRef idx="minor">
+            <a:schemeClr val="lt1"/>
+          </a:fontRef>
+        </p:style>
+        <p:txBody>
+          <a:bodyPr rtlCol="0" anchor="ctr"/>
+          <a:lstStyle/>
+          <a:p>
+            <a:r>
+              <a:rPr lang="en-CA" sz="1600" i="1" dirty="0">
+                <a:solidFill>
+                  <a:schemeClr val="tx1"/>
+                </a:solidFill>
+              </a:rPr>
+              <a:t>TRUE</a:t>
+            </a:r>
+            <a:endParaRPr lang="en-CA" sz="1000" dirty="0">
+              <a:solidFill>
+                <a:schemeClr val="tx1"/>
+              </a:solidFill>
+            </a:endParaRPr>
+          </a:p>
+        </p:txBody>
+      </p:sp>
+    </p:spTree>
+    <p:extLst>
+      <p:ext uri="{BB962C8B-B14F-4D97-AF65-F5344CB8AC3E}">
+        <p14:creationId xmlns:p14="http://schemas.microsoft.com/office/powerpoint/2010/main" val="499657155"/>
+      </p:ext>
+    </p:extLst>
+  </p:cSld>
+  <p:clrMapOvr>
+    <a:masterClrMapping/>
+  </p:clrMapOvr>
+</p:sld>
+</file>
+
+<file path=ppt/slides/slide4.xml><?xml version="1.0" encoding="utf-8"?>
+<p:sld xmlns:a="http://schemas.openxmlformats.org/drawingml/2006/main" xmlns:r="http://schemas.openxmlformats.org/officeDocument/2006/relationships" xmlns:p="http://schemas.openxmlformats.org/presentationml/2006/main">
+  <p:cSld>
+    <p:spTree>
+      <p:nvGrpSpPr>
+        <p:cNvPr id="1" name=""/>
+        <p:cNvGrpSpPr/>
+        <p:nvPr/>
+      </p:nvGrpSpPr>
+      <p:grpSpPr>
+        <a:xfrm>
+          <a:off x="0" y="0"/>
+          <a:ext cx="0" cy="0"/>
+          <a:chOff x="0" y="0"/>
+          <a:chExt cx="0" cy="0"/>
+        </a:xfrm>
+      </p:grpSpPr>
+      <p:sp>
+        <p:nvSpPr>
+          <p:cNvPr id="4" name="Rectangle 3">
+            <a:extLst>
+              <a:ext uri="{FF2B5EF4-FFF2-40B4-BE49-F238E27FC236}">
+                <a16:creationId xmlns:a16="http://schemas.microsoft.com/office/drawing/2014/main" id="{1B535268-7A10-480B-ACCB-C82412903CBD}"/>
+              </a:ext>
+            </a:extLst>
+          </p:cNvPr>
+          <p:cNvSpPr/>
+          <p:nvPr/>
+        </p:nvSpPr>
+        <p:spPr>
+          <a:xfrm>
+            <a:off x="5019675" y="301534"/>
+            <a:ext cx="1510665" cy="548640"/>
+          </a:xfrm>
+          <a:prstGeom prst="rect">
+            <a:avLst/>
+          </a:prstGeom>
+          <a:solidFill>
+            <a:schemeClr val="accent5">
+              <a:lumMod val="20000"/>
+              <a:lumOff val="80000"/>
+            </a:schemeClr>
+          </a:solidFill>
+          <a:ln w="12700">
+            <a:solidFill>
+              <a:schemeClr val="accent5">
+                <a:lumMod val="75000"/>
+              </a:schemeClr>
+            </a:solidFill>
+          </a:ln>
+        </p:spPr>
+        <p:style>
+          <a:lnRef idx="2">
+            <a:schemeClr val="accent1">
+              <a:shade val="50000"/>
+            </a:schemeClr>
+          </a:lnRef>
+          <a:fillRef idx="1">
+            <a:schemeClr val="accent1"/>
+          </a:fillRef>
+          <a:effectRef idx="0">
+            <a:schemeClr val="accent1"/>
+          </a:effectRef>
+          <a:fontRef idx="minor">
+            <a:schemeClr val="lt1"/>
+          </a:fontRef>
+        </p:style>
+        <p:txBody>
+          <a:bodyPr rtlCol="0" anchor="ctr"/>
+          <a:lstStyle/>
+          <a:p>
+            <a:pPr algn="ctr"/>
+            <a:r>
+              <a:rPr lang="en-CA" dirty="0">
+                <a:solidFill>
+                  <a:schemeClr val="accent5">
+                    <a:lumMod val="75000"/>
+                  </a:schemeClr>
+                </a:solidFill>
+              </a:rPr>
+              <a:t>Statement</a:t>
+            </a:r>
+          </a:p>
+        </p:txBody>
+      </p:sp>
+      <p:cxnSp>
+        <p:nvCxnSpPr>
+          <p:cNvPr id="7" name="Straight Arrow Connector 6">
+            <a:extLst>
+              <a:ext uri="{FF2B5EF4-FFF2-40B4-BE49-F238E27FC236}">
+                <a16:creationId xmlns:a16="http://schemas.microsoft.com/office/drawing/2014/main" id="{4BD20E86-2B20-4865-9809-82B1EE1D29C6}"/>
+              </a:ext>
+            </a:extLst>
+          </p:cNvPr>
+          <p:cNvCxnSpPr>
+            <a:cxnSpLocks/>
+            <a:stCxn id="4" idx="2"/>
+            <a:endCxn id="3" idx="0"/>
+          </p:cNvCxnSpPr>
+          <p:nvPr/>
+        </p:nvCxnSpPr>
+        <p:spPr>
+          <a:xfrm>
+            <a:off x="5775008" y="850174"/>
+            <a:ext cx="1" cy="565785"/>
+          </a:xfrm>
+          <a:prstGeom prst="straightConnector1">
+            <a:avLst/>
+          </a:prstGeom>
+          <a:ln w="44450">
+            <a:solidFill>
+              <a:schemeClr val="accent5">
+                <a:lumMod val="75000"/>
+              </a:schemeClr>
+            </a:solidFill>
+            <a:tailEnd type="triangle"/>
+          </a:ln>
+        </p:spPr>
+        <p:style>
+          <a:lnRef idx="1">
+            <a:schemeClr val="accent1"/>
+          </a:lnRef>
+          <a:fillRef idx="0">
+            <a:schemeClr val="accent1"/>
+          </a:fillRef>
+          <a:effectRef idx="0">
+            <a:schemeClr val="accent1"/>
+          </a:effectRef>
+          <a:fontRef idx="minor">
+            <a:schemeClr val="tx1"/>
+          </a:fontRef>
+        </p:style>
+      </p:cxnSp>
+      <p:sp>
+        <p:nvSpPr>
+          <p:cNvPr id="8" name="Rectangle 7">
+            <a:extLst>
+              <a:ext uri="{FF2B5EF4-FFF2-40B4-BE49-F238E27FC236}">
+                <a16:creationId xmlns:a16="http://schemas.microsoft.com/office/drawing/2014/main" id="{4C7682F7-78F8-4D41-B681-B19C5177C6F3}"/>
+              </a:ext>
+            </a:extLst>
+          </p:cNvPr>
+          <p:cNvSpPr/>
+          <p:nvPr/>
+        </p:nvSpPr>
+        <p:spPr>
+          <a:xfrm>
+            <a:off x="5019675" y="5044984"/>
+            <a:ext cx="1510665" cy="548640"/>
+          </a:xfrm>
+          <a:prstGeom prst="rect">
+            <a:avLst/>
+          </a:prstGeom>
+          <a:solidFill>
+            <a:schemeClr val="accent5">
+              <a:lumMod val="20000"/>
+              <a:lumOff val="80000"/>
+            </a:schemeClr>
+          </a:solidFill>
+          <a:ln w="12700">
+            <a:solidFill>
+              <a:schemeClr val="accent5">
+                <a:lumMod val="75000"/>
+              </a:schemeClr>
+            </a:solidFill>
+          </a:ln>
+        </p:spPr>
+        <p:style>
+          <a:lnRef idx="2">
+            <a:schemeClr val="accent1">
+              <a:shade val="50000"/>
+            </a:schemeClr>
+          </a:lnRef>
+          <a:fillRef idx="1">
+            <a:schemeClr val="accent1"/>
+          </a:fillRef>
+          <a:effectRef idx="0">
+            <a:schemeClr val="accent1"/>
+          </a:effectRef>
+          <a:fontRef idx="minor">
+            <a:schemeClr val="lt1"/>
+          </a:fontRef>
+        </p:style>
+        <p:txBody>
+          <a:bodyPr rtlCol="0" anchor="ctr"/>
+          <a:lstStyle/>
+          <a:p>
+            <a:pPr algn="ctr"/>
+            <a:r>
+              <a:rPr lang="en-CA" dirty="0">
+                <a:solidFill>
+                  <a:schemeClr val="accent5">
+                    <a:lumMod val="75000"/>
+                  </a:schemeClr>
+                </a:solidFill>
+              </a:rPr>
+              <a:t>Statement</a:t>
+            </a:r>
+          </a:p>
+        </p:txBody>
+      </p:sp>
+      <p:sp>
+        <p:nvSpPr>
+          <p:cNvPr id="11" name="Rectangle 10">
+            <a:extLst>
+              <a:ext uri="{FF2B5EF4-FFF2-40B4-BE49-F238E27FC236}">
+                <a16:creationId xmlns:a16="http://schemas.microsoft.com/office/drawing/2014/main" id="{09A6DFE9-E67E-4454-84B4-A68044F1DBD2}"/>
+              </a:ext>
+            </a:extLst>
+          </p:cNvPr>
+          <p:cNvSpPr/>
+          <p:nvPr/>
+        </p:nvSpPr>
+        <p:spPr>
+          <a:xfrm>
+            <a:off x="5019675" y="6121309"/>
+            <a:ext cx="1510665" cy="548640"/>
+          </a:xfrm>
+          <a:prstGeom prst="rect">
+            <a:avLst/>
+          </a:prstGeom>
+          <a:solidFill>
+            <a:schemeClr val="accent5">
+              <a:lumMod val="20000"/>
+              <a:lumOff val="80000"/>
+            </a:schemeClr>
+          </a:solidFill>
+          <a:ln w="12700">
+            <a:solidFill>
+              <a:schemeClr val="accent5">
+                <a:lumMod val="75000"/>
+              </a:schemeClr>
+            </a:solidFill>
+          </a:ln>
+        </p:spPr>
+        <p:style>
+          <a:lnRef idx="2">
+            <a:schemeClr val="accent1">
+              <a:shade val="50000"/>
+            </a:schemeClr>
+          </a:lnRef>
+          <a:fillRef idx="1">
+            <a:schemeClr val="accent1"/>
+          </a:fillRef>
+          <a:effectRef idx="0">
+            <a:schemeClr val="accent1"/>
+          </a:effectRef>
+          <a:fontRef idx="minor">
+            <a:schemeClr val="lt1"/>
+          </a:fontRef>
+        </p:style>
+        <p:txBody>
+          <a:bodyPr rtlCol="0" anchor="ctr"/>
+          <a:lstStyle/>
+          <a:p>
+            <a:pPr algn="ctr"/>
+            <a:r>
+              <a:rPr lang="en-CA" dirty="0">
+                <a:solidFill>
+                  <a:schemeClr val="accent5">
+                    <a:lumMod val="75000"/>
+                  </a:schemeClr>
+                </a:solidFill>
+              </a:rPr>
+              <a:t>Statement</a:t>
+            </a:r>
+          </a:p>
+        </p:txBody>
+      </p:sp>
+      <p:cxnSp>
+        <p:nvCxnSpPr>
+          <p:cNvPr id="12" name="Straight Arrow Connector 11">
+            <a:extLst>
+              <a:ext uri="{FF2B5EF4-FFF2-40B4-BE49-F238E27FC236}">
+                <a16:creationId xmlns:a16="http://schemas.microsoft.com/office/drawing/2014/main" id="{EB11CD2E-F40C-436F-9BCF-0F4DE8CBB52E}"/>
+              </a:ext>
+            </a:extLst>
+          </p:cNvPr>
+          <p:cNvCxnSpPr>
+            <a:cxnSpLocks/>
+            <a:stCxn id="8" idx="2"/>
+            <a:endCxn id="11" idx="0"/>
+          </p:cNvCxnSpPr>
+          <p:nvPr/>
+        </p:nvCxnSpPr>
+        <p:spPr>
+          <a:xfrm>
+            <a:off x="5775008" y="5593624"/>
+            <a:ext cx="0" cy="527685"/>
+          </a:xfrm>
+          <a:prstGeom prst="straightConnector1">
+            <a:avLst/>
+          </a:prstGeom>
+          <a:ln w="44450">
+            <a:solidFill>
+              <a:schemeClr val="accent5">
+                <a:lumMod val="75000"/>
+              </a:schemeClr>
+            </a:solidFill>
+            <a:tailEnd type="triangle"/>
+          </a:ln>
+        </p:spPr>
+        <p:style>
+          <a:lnRef idx="1">
+            <a:schemeClr val="accent1"/>
+          </a:lnRef>
+          <a:fillRef idx="0">
+            <a:schemeClr val="accent1"/>
+          </a:fillRef>
+          <a:effectRef idx="0">
+            <a:schemeClr val="accent1"/>
+          </a:effectRef>
+          <a:fontRef idx="minor">
+            <a:schemeClr val="tx1"/>
+          </a:fontRef>
+        </p:style>
+      </p:cxnSp>
+      <p:sp>
+        <p:nvSpPr>
+          <p:cNvPr id="3" name="Diamond 2">
+            <a:extLst>
+              <a:ext uri="{FF2B5EF4-FFF2-40B4-BE49-F238E27FC236}">
+                <a16:creationId xmlns:a16="http://schemas.microsoft.com/office/drawing/2014/main" id="{88CA3CA8-F783-4D69-B476-6AC95A659A1B}"/>
+              </a:ext>
+            </a:extLst>
+          </p:cNvPr>
+          <p:cNvSpPr/>
+          <p:nvPr/>
+        </p:nvSpPr>
+        <p:spPr>
+          <a:xfrm>
+            <a:off x="5019678" y="1415959"/>
+            <a:ext cx="1510662" cy="1421674"/>
+          </a:xfrm>
+          <a:prstGeom prst="diamond">
+            <a:avLst/>
+          </a:prstGeom>
+          <a:solidFill>
+            <a:srgbClr val="FFB9B9"/>
+          </a:solidFill>
+          <a:ln>
+            <a:solidFill>
+              <a:srgbClr val="FF0000"/>
+            </a:solidFill>
+          </a:ln>
+        </p:spPr>
+        <p:style>
+          <a:lnRef idx="2">
+            <a:schemeClr val="accent1">
+              <a:shade val="50000"/>
+            </a:schemeClr>
+          </a:lnRef>
+          <a:fillRef idx="1">
+            <a:schemeClr val="accent1"/>
+          </a:fillRef>
+          <a:effectRef idx="0">
+            <a:schemeClr val="accent1"/>
+          </a:effectRef>
+          <a:fontRef idx="minor">
+            <a:schemeClr val="lt1"/>
+          </a:fontRef>
+        </p:style>
+        <p:txBody>
+          <a:bodyPr lIns="0" tIns="0" rIns="0" bIns="0" rtlCol="0" anchor="ctr"/>
+          <a:lstStyle/>
+          <a:p>
+            <a:pPr algn="ctr"/>
+            <a:r>
+              <a:rPr lang="en-CA" sz="1500" dirty="0">
+                <a:solidFill>
+                  <a:schemeClr val="tx1"/>
+                </a:solidFill>
+              </a:rPr>
+              <a:t>Condition</a:t>
+            </a:r>
+          </a:p>
+        </p:txBody>
+      </p:sp>
+      <p:sp>
+        <p:nvSpPr>
+          <p:cNvPr id="13" name="Rectangle 12">
+            <a:extLst>
+              <a:ext uri="{FF2B5EF4-FFF2-40B4-BE49-F238E27FC236}">
+                <a16:creationId xmlns:a16="http://schemas.microsoft.com/office/drawing/2014/main" id="{A810ECD4-A69E-40D6-8CEC-35BB62BB267C}"/>
+              </a:ext>
+            </a:extLst>
+          </p:cNvPr>
+          <p:cNvSpPr/>
+          <p:nvPr/>
+        </p:nvSpPr>
+        <p:spPr>
+          <a:xfrm>
+            <a:off x="6610350" y="3154680"/>
+            <a:ext cx="1704971" cy="648244"/>
+          </a:xfrm>
+          <a:prstGeom prst="rect">
+            <a:avLst/>
+          </a:prstGeom>
+          <a:solidFill>
+            <a:srgbClr val="FFB9B9"/>
+          </a:solidFill>
+          <a:ln w="12700">
+            <a:solidFill>
+              <a:srgbClr val="FF0000"/>
+            </a:solidFill>
+          </a:ln>
+        </p:spPr>
+        <p:style>
+          <a:lnRef idx="2">
+            <a:schemeClr val="accent1">
+              <a:shade val="50000"/>
+            </a:schemeClr>
+          </a:lnRef>
+          <a:fillRef idx="1">
+            <a:schemeClr val="accent1"/>
+          </a:fillRef>
+          <a:effectRef idx="0">
+            <a:schemeClr val="accent1"/>
+          </a:effectRef>
+          <a:fontRef idx="minor">
+            <a:schemeClr val="lt1"/>
+          </a:fontRef>
+        </p:style>
+        <p:txBody>
+          <a:bodyPr rtlCol="0" anchor="ctr"/>
+          <a:lstStyle/>
+          <a:p>
+            <a:pPr algn="ctr"/>
+            <a:r>
+              <a:rPr lang="en-CA" sz="1600" dirty="0">
+                <a:solidFill>
+                  <a:schemeClr val="tx1"/>
+                </a:solidFill>
+              </a:rPr>
+              <a:t>else </a:t>
+            </a:r>
+          </a:p>
+          <a:p>
+            <a:pPr algn="ctr"/>
+            <a:r>
+              <a:rPr lang="en-CA" sz="1600" dirty="0">
+                <a:solidFill>
+                  <a:schemeClr val="tx1"/>
+                </a:solidFill>
+              </a:rPr>
+              <a:t>(i.e. If </a:t>
+            </a:r>
+            <a:r>
+              <a:rPr lang="en-CA" sz="1600" i="1" dirty="0">
+                <a:solidFill>
+                  <a:schemeClr val="tx1"/>
+                </a:solidFill>
+              </a:rPr>
+              <a:t>false)</a:t>
+            </a:r>
+            <a:r>
+              <a:rPr lang="en-CA" sz="1600" dirty="0">
+                <a:solidFill>
+                  <a:schemeClr val="tx1"/>
+                </a:solidFill>
+              </a:rPr>
+              <a:t> statement</a:t>
+            </a:r>
+          </a:p>
+        </p:txBody>
+      </p:sp>
+      <p:sp>
+        <p:nvSpPr>
+          <p:cNvPr id="14" name="Rectangle 13">
+            <a:extLst>
+              <a:ext uri="{FF2B5EF4-FFF2-40B4-BE49-F238E27FC236}">
+                <a16:creationId xmlns:a16="http://schemas.microsoft.com/office/drawing/2014/main" id="{E9EC7144-D352-4BBF-8E2C-D8593EEBDD78}"/>
+              </a:ext>
+            </a:extLst>
+          </p:cNvPr>
+          <p:cNvSpPr/>
+          <p:nvPr/>
+        </p:nvSpPr>
+        <p:spPr>
+          <a:xfrm>
+            <a:off x="3349469" y="3154680"/>
+            <a:ext cx="1704971" cy="648244"/>
+          </a:xfrm>
+          <a:prstGeom prst="rect">
+            <a:avLst/>
+          </a:prstGeom>
+          <a:solidFill>
+            <a:srgbClr val="FFB9B9"/>
+          </a:solidFill>
+          <a:ln w="12700">
+            <a:solidFill>
+              <a:srgbClr val="FF0000"/>
+            </a:solidFill>
+          </a:ln>
+        </p:spPr>
+        <p:style>
+          <a:lnRef idx="2">
+            <a:schemeClr val="accent1">
+              <a:shade val="50000"/>
+            </a:schemeClr>
+          </a:lnRef>
+          <a:fillRef idx="1">
+            <a:schemeClr val="accent1"/>
+          </a:fillRef>
+          <a:effectRef idx="0">
+            <a:schemeClr val="accent1"/>
+          </a:effectRef>
+          <a:fontRef idx="minor">
+            <a:schemeClr val="lt1"/>
+          </a:fontRef>
+        </p:style>
+        <p:txBody>
+          <a:bodyPr rtlCol="0" anchor="ctr"/>
+          <a:lstStyle/>
+          <a:p>
+            <a:pPr algn="ctr"/>
+            <a:r>
+              <a:rPr lang="en-CA" sz="1600" dirty="0">
+                <a:solidFill>
+                  <a:schemeClr val="tx1"/>
+                </a:solidFill>
+              </a:rPr>
+              <a:t>If </a:t>
+            </a:r>
+            <a:r>
+              <a:rPr lang="en-CA" sz="1600" i="1" dirty="0">
+                <a:solidFill>
+                  <a:schemeClr val="tx1"/>
+                </a:solidFill>
+              </a:rPr>
+              <a:t>true</a:t>
+            </a:r>
+            <a:r>
+              <a:rPr lang="en-CA" sz="1600" dirty="0">
+                <a:solidFill>
+                  <a:schemeClr val="tx1"/>
+                </a:solidFill>
+              </a:rPr>
+              <a:t> statement</a:t>
+            </a:r>
+          </a:p>
+        </p:txBody>
+      </p:sp>
+      <p:cxnSp>
+        <p:nvCxnSpPr>
+          <p:cNvPr id="16" name="Connector: Elbow 15">
+            <a:extLst>
+              <a:ext uri="{FF2B5EF4-FFF2-40B4-BE49-F238E27FC236}">
+                <a16:creationId xmlns:a16="http://schemas.microsoft.com/office/drawing/2014/main" id="{88686B7B-F9D5-4793-9C73-ADABA511FE75}"/>
+              </a:ext>
+            </a:extLst>
+          </p:cNvPr>
+          <p:cNvCxnSpPr>
+            <a:stCxn id="3" idx="3"/>
+            <a:endCxn id="13" idx="0"/>
+          </p:cNvCxnSpPr>
+          <p:nvPr/>
+        </p:nvCxnSpPr>
+        <p:spPr>
+          <a:xfrm>
+            <a:off x="6530340" y="2126796"/>
+            <a:ext cx="932496" cy="1027884"/>
+          </a:xfrm>
+          <a:prstGeom prst="bentConnector2">
+            <a:avLst/>
+          </a:prstGeom>
+          <a:ln w="44450">
+            <a:solidFill>
+              <a:srgbClr val="FF0000"/>
+            </a:solidFill>
+            <a:tailEnd type="triangle"/>
+          </a:ln>
+        </p:spPr>
+        <p:style>
+          <a:lnRef idx="1">
+            <a:schemeClr val="accent1"/>
+          </a:lnRef>
+          <a:fillRef idx="0">
+            <a:schemeClr val="accent1"/>
+          </a:fillRef>
+          <a:effectRef idx="0">
+            <a:schemeClr val="accent1"/>
+          </a:effectRef>
+          <a:fontRef idx="minor">
+            <a:schemeClr val="tx1"/>
+          </a:fontRef>
+        </p:style>
+      </p:cxnSp>
+      <p:cxnSp>
+        <p:nvCxnSpPr>
+          <p:cNvPr id="17" name="Connector: Elbow 16">
+            <a:extLst>
+              <a:ext uri="{FF2B5EF4-FFF2-40B4-BE49-F238E27FC236}">
+                <a16:creationId xmlns:a16="http://schemas.microsoft.com/office/drawing/2014/main" id="{D04AB3FE-8792-423C-A1F0-874EFA84DAD3}"/>
+              </a:ext>
+            </a:extLst>
+          </p:cNvPr>
+          <p:cNvCxnSpPr>
+            <a:cxnSpLocks/>
+            <a:stCxn id="3" idx="1"/>
+            <a:endCxn id="14" idx="0"/>
+          </p:cNvCxnSpPr>
+          <p:nvPr/>
+        </p:nvCxnSpPr>
+        <p:spPr>
+          <a:xfrm rot="10800000" flipV="1">
+            <a:off x="4201956" y="2126796"/>
+            <a:ext cx="817723" cy="1027884"/>
+          </a:xfrm>
+          <a:prstGeom prst="bentConnector2">
+            <a:avLst/>
+          </a:prstGeom>
+          <a:ln w="44450">
+            <a:solidFill>
+              <a:srgbClr val="FF0000"/>
+            </a:solidFill>
+            <a:tailEnd type="triangle"/>
+          </a:ln>
+        </p:spPr>
+        <p:style>
+          <a:lnRef idx="1">
+            <a:schemeClr val="accent1"/>
+          </a:lnRef>
+          <a:fillRef idx="0">
+            <a:schemeClr val="accent1"/>
+          </a:fillRef>
+          <a:effectRef idx="0">
+            <a:schemeClr val="accent1"/>
+          </a:effectRef>
+          <a:fontRef idx="minor">
+            <a:schemeClr val="tx1"/>
+          </a:fontRef>
+        </p:style>
+      </p:cxnSp>
+      <p:cxnSp>
+        <p:nvCxnSpPr>
+          <p:cNvPr id="21" name="Connector: Elbow 20">
+            <a:extLst>
+              <a:ext uri="{FF2B5EF4-FFF2-40B4-BE49-F238E27FC236}">
+                <a16:creationId xmlns:a16="http://schemas.microsoft.com/office/drawing/2014/main" id="{E3EC719A-A077-4139-845D-DBE01AD000C2}"/>
+              </a:ext>
+            </a:extLst>
+          </p:cNvPr>
+          <p:cNvCxnSpPr>
+            <a:stCxn id="13" idx="2"/>
+            <a:endCxn id="8" idx="0"/>
+          </p:cNvCxnSpPr>
+          <p:nvPr/>
+        </p:nvCxnSpPr>
+        <p:spPr>
+          <a:xfrm rot="5400000">
+            <a:off x="5997892" y="3580040"/>
+            <a:ext cx="1242060" cy="1687828"/>
+          </a:xfrm>
+          <a:prstGeom prst="bentConnector3">
+            <a:avLst/>
+          </a:prstGeom>
+          <a:ln w="44450">
+            <a:tailEnd type="triangle"/>
+          </a:ln>
+        </p:spPr>
+        <p:style>
+          <a:lnRef idx="1">
+            <a:schemeClr val="accent1"/>
+          </a:lnRef>
+          <a:fillRef idx="0">
+            <a:schemeClr val="accent1"/>
+          </a:fillRef>
+          <a:effectRef idx="0">
+            <a:schemeClr val="accent1"/>
+          </a:effectRef>
+          <a:fontRef idx="minor">
+            <a:schemeClr val="tx1"/>
+          </a:fontRef>
+        </p:style>
+      </p:cxnSp>
+      <p:cxnSp>
+        <p:nvCxnSpPr>
+          <p:cNvPr id="22" name="Connector: Elbow 21">
+            <a:extLst>
+              <a:ext uri="{FF2B5EF4-FFF2-40B4-BE49-F238E27FC236}">
+                <a16:creationId xmlns:a16="http://schemas.microsoft.com/office/drawing/2014/main" id="{1670DDA2-C556-4213-A570-CE4A320E89A3}"/>
+              </a:ext>
+            </a:extLst>
+          </p:cNvPr>
+          <p:cNvCxnSpPr>
+            <a:cxnSpLocks/>
+            <a:stCxn id="14" idx="2"/>
+            <a:endCxn id="8" idx="0"/>
+          </p:cNvCxnSpPr>
+          <p:nvPr/>
+        </p:nvCxnSpPr>
+        <p:spPr>
+          <a:xfrm rot="16200000" flipH="1">
+            <a:off x="4367451" y="3637427"/>
+            <a:ext cx="1242060" cy="1573053"/>
+          </a:xfrm>
+          <a:prstGeom prst="bentConnector3">
+            <a:avLst>
+              <a:gd name="adj1" fmla="val 50000"/>
+            </a:avLst>
+          </a:prstGeom>
+          <a:ln w="44450">
+            <a:tailEnd type="triangle"/>
+          </a:ln>
+        </p:spPr>
+        <p:style>
+          <a:lnRef idx="1">
+            <a:schemeClr val="accent1"/>
+          </a:lnRef>
+          <a:fillRef idx="0">
+            <a:schemeClr val="accent1"/>
+          </a:fillRef>
+          <a:effectRef idx="0">
+            <a:schemeClr val="accent1"/>
+          </a:effectRef>
+          <a:fontRef idx="minor">
+            <a:schemeClr val="tx1"/>
+          </a:fontRef>
+        </p:style>
+      </p:cxnSp>
+      <p:sp>
+        <p:nvSpPr>
+          <p:cNvPr id="15" name="Rectangle 14">
+            <a:extLst>
+              <a:ext uri="{FF2B5EF4-FFF2-40B4-BE49-F238E27FC236}">
+                <a16:creationId xmlns:a16="http://schemas.microsoft.com/office/drawing/2014/main" id="{0CE2DFE8-4F4D-4308-A016-149000A0C4E6}"/>
+              </a:ext>
+            </a:extLst>
+          </p:cNvPr>
+          <p:cNvSpPr/>
+          <p:nvPr/>
+        </p:nvSpPr>
+        <p:spPr>
+          <a:xfrm>
+            <a:off x="4315792" y="1992494"/>
+            <a:ext cx="691036" cy="648244"/>
+          </a:xfrm>
+          <a:prstGeom prst="rect">
+            <a:avLst/>
+          </a:prstGeom>
+          <a:noFill/>
+          <a:ln w="12700">
+            <a:noFill/>
+          </a:ln>
+        </p:spPr>
+        <p:style>
+          <a:lnRef idx="2">
+            <a:schemeClr val="accent1">
+              <a:shade val="50000"/>
+            </a:schemeClr>
+          </a:lnRef>
+          <a:fillRef idx="1">
+            <a:schemeClr val="accent1"/>
+          </a:fillRef>
+          <a:effectRef idx="0">
+            <a:schemeClr val="accent1"/>
+          </a:effectRef>
+          <a:fontRef idx="minor">
+            <a:schemeClr val="lt1"/>
+          </a:fontRef>
+        </p:style>
+        <p:txBody>
+          <a:bodyPr rtlCol="0" anchor="ctr"/>
+          <a:lstStyle/>
+          <a:p>
+            <a:r>
+              <a:rPr lang="en-CA" sz="1600" i="1" dirty="0">
+                <a:solidFill>
+                  <a:schemeClr val="tx1"/>
+                </a:solidFill>
+              </a:rPr>
+              <a:t>TRUE</a:t>
+            </a:r>
+            <a:endParaRPr lang="en-CA" sz="1000" dirty="0">
+              <a:solidFill>
+                <a:schemeClr val="tx1"/>
+              </a:solidFill>
+            </a:endParaRPr>
+          </a:p>
+        </p:txBody>
+      </p:sp>
+      <p:sp>
+        <p:nvSpPr>
+          <p:cNvPr id="18" name="Rectangle 17">
+            <a:extLst>
+              <a:ext uri="{FF2B5EF4-FFF2-40B4-BE49-F238E27FC236}">
+                <a16:creationId xmlns:a16="http://schemas.microsoft.com/office/drawing/2014/main" id="{7E15684B-0E45-4B98-8B43-58DC3946F9A9}"/>
+              </a:ext>
+            </a:extLst>
+          </p:cNvPr>
+          <p:cNvSpPr/>
+          <p:nvPr/>
+        </p:nvSpPr>
+        <p:spPr>
+          <a:xfrm>
+            <a:off x="6610350" y="1985554"/>
+            <a:ext cx="691036" cy="648244"/>
+          </a:xfrm>
+          <a:prstGeom prst="rect">
+            <a:avLst/>
+          </a:prstGeom>
+          <a:noFill/>
+          <a:ln w="12700">
+            <a:noFill/>
+          </a:ln>
+        </p:spPr>
+        <p:style>
+          <a:lnRef idx="2">
+            <a:schemeClr val="accent1">
+              <a:shade val="50000"/>
+            </a:schemeClr>
+          </a:lnRef>
+          <a:fillRef idx="1">
+            <a:schemeClr val="accent1"/>
+          </a:fillRef>
+          <a:effectRef idx="0">
+            <a:schemeClr val="accent1"/>
+          </a:effectRef>
+          <a:fontRef idx="minor">
+            <a:schemeClr val="lt1"/>
+          </a:fontRef>
+        </p:style>
+        <p:txBody>
+          <a:bodyPr rtlCol="0" anchor="ctr"/>
+          <a:lstStyle/>
+          <a:p>
+            <a:r>
+              <a:rPr lang="en-CA" sz="1600" i="1" dirty="0">
+                <a:solidFill>
+                  <a:schemeClr val="tx1"/>
+                </a:solidFill>
+              </a:rPr>
+              <a:t>FALSE</a:t>
+            </a:r>
+            <a:endParaRPr lang="en-CA" sz="1000" dirty="0">
+              <a:solidFill>
+                <a:schemeClr val="tx1"/>
+              </a:solidFill>
+            </a:endParaRPr>
+          </a:p>
+        </p:txBody>
+      </p:sp>
+    </p:spTree>
+    <p:extLst>
+      <p:ext uri="{BB962C8B-B14F-4D97-AF65-F5344CB8AC3E}">
+        <p14:creationId xmlns:p14="http://schemas.microsoft.com/office/powerpoint/2010/main" val="1535945884"/>
+      </p:ext>
+    </p:extLst>
+  </p:cSld>
+  <p:clrMapOvr>
+    <a:masterClrMapping/>
+  </p:clrMapOvr>
+</p:sld>
+</file>
+
+<file path=ppt/slides/slide5.xml><?xml version="1.0" encoding="utf-8"?>
+<p:sld xmlns:a="http://schemas.openxmlformats.org/drawingml/2006/main" xmlns:r="http://schemas.openxmlformats.org/officeDocument/2006/relationships" xmlns:p="http://schemas.openxmlformats.org/presentationml/2006/main">
+  <p:cSld>
+    <p:spTree>
+      <p:nvGrpSpPr>
+        <p:cNvPr id="1" name=""/>
+        <p:cNvGrpSpPr/>
+        <p:nvPr/>
+      </p:nvGrpSpPr>
+      <p:grpSpPr>
+        <a:xfrm>
+          <a:off x="0" y="0"/>
+          <a:ext cx="0" cy="0"/>
+          <a:chOff x="0" y="0"/>
+          <a:chExt cx="0" cy="0"/>
+        </a:xfrm>
+      </p:grpSpPr>
+      <p:sp>
+        <p:nvSpPr>
+          <p:cNvPr id="4" name="Rectangle 3">
+            <a:extLst>
+              <a:ext uri="{FF2B5EF4-FFF2-40B4-BE49-F238E27FC236}">
+                <a16:creationId xmlns:a16="http://schemas.microsoft.com/office/drawing/2014/main" id="{1B535268-7A10-480B-ACCB-C82412903CBD}"/>
+              </a:ext>
+            </a:extLst>
+          </p:cNvPr>
+          <p:cNvSpPr/>
+          <p:nvPr/>
+        </p:nvSpPr>
+        <p:spPr>
+          <a:xfrm>
+            <a:off x="2676525" y="0"/>
+            <a:ext cx="1510665" cy="548640"/>
+          </a:xfrm>
+          <a:prstGeom prst="rect">
+            <a:avLst/>
+          </a:prstGeom>
+          <a:solidFill>
+            <a:schemeClr val="accent5">
+              <a:lumMod val="20000"/>
+              <a:lumOff val="80000"/>
+            </a:schemeClr>
+          </a:solidFill>
+          <a:ln w="12700">
+            <a:solidFill>
+              <a:schemeClr val="accent5">
+                <a:lumMod val="75000"/>
+              </a:schemeClr>
+            </a:solidFill>
+          </a:ln>
+        </p:spPr>
+        <p:style>
+          <a:lnRef idx="2">
+            <a:schemeClr val="accent1">
+              <a:shade val="50000"/>
+            </a:schemeClr>
+          </a:lnRef>
+          <a:fillRef idx="1">
+            <a:schemeClr val="accent1"/>
+          </a:fillRef>
+          <a:effectRef idx="0">
+            <a:schemeClr val="accent1"/>
+          </a:effectRef>
+          <a:fontRef idx="minor">
+            <a:schemeClr val="lt1"/>
+          </a:fontRef>
+        </p:style>
+        <p:txBody>
+          <a:bodyPr rtlCol="0" anchor="ctr"/>
+          <a:lstStyle/>
+          <a:p>
+            <a:pPr algn="ctr"/>
+            <a:r>
+              <a:rPr lang="en-CA" dirty="0">
+                <a:solidFill>
+                  <a:schemeClr val="accent5">
+                    <a:lumMod val="75000"/>
+                  </a:schemeClr>
+                </a:solidFill>
+              </a:rPr>
+              <a:t>Statement</a:t>
+            </a:r>
+          </a:p>
+        </p:txBody>
+      </p:sp>
+      <p:cxnSp>
+        <p:nvCxnSpPr>
+          <p:cNvPr id="7" name="Straight Arrow Connector 6">
+            <a:extLst>
+              <a:ext uri="{FF2B5EF4-FFF2-40B4-BE49-F238E27FC236}">
+                <a16:creationId xmlns:a16="http://schemas.microsoft.com/office/drawing/2014/main" id="{4BD20E86-2B20-4865-9809-82B1EE1D29C6}"/>
+              </a:ext>
+            </a:extLst>
+          </p:cNvPr>
+          <p:cNvCxnSpPr>
+            <a:cxnSpLocks/>
+            <a:stCxn id="4" idx="2"/>
+            <a:endCxn id="3" idx="0"/>
+          </p:cNvCxnSpPr>
+          <p:nvPr/>
+        </p:nvCxnSpPr>
+        <p:spPr>
+          <a:xfrm>
+            <a:off x="3431858" y="548640"/>
+            <a:ext cx="1" cy="289560"/>
+          </a:xfrm>
+          <a:prstGeom prst="straightConnector1">
+            <a:avLst/>
+          </a:prstGeom>
+          <a:ln w="44450">
+            <a:solidFill>
+              <a:schemeClr val="accent5">
+                <a:lumMod val="75000"/>
+              </a:schemeClr>
+            </a:solidFill>
+            <a:tailEnd type="triangle"/>
+          </a:ln>
+        </p:spPr>
+        <p:style>
+          <a:lnRef idx="1">
+            <a:schemeClr val="accent1"/>
+          </a:lnRef>
+          <a:fillRef idx="0">
+            <a:schemeClr val="accent1"/>
+          </a:fillRef>
+          <a:effectRef idx="0">
+            <a:schemeClr val="accent1"/>
+          </a:effectRef>
+          <a:fontRef idx="minor">
+            <a:schemeClr val="tx1"/>
+          </a:fontRef>
+        </p:style>
+      </p:cxnSp>
+      <p:sp>
+        <p:nvSpPr>
+          <p:cNvPr id="8" name="Rectangle 7">
+            <a:extLst>
+              <a:ext uri="{FF2B5EF4-FFF2-40B4-BE49-F238E27FC236}">
+                <a16:creationId xmlns:a16="http://schemas.microsoft.com/office/drawing/2014/main" id="{4C7682F7-78F8-4D41-B681-B19C5177C6F3}"/>
+              </a:ext>
+            </a:extLst>
+          </p:cNvPr>
+          <p:cNvSpPr/>
+          <p:nvPr/>
+        </p:nvSpPr>
+        <p:spPr>
+          <a:xfrm>
+            <a:off x="2676525" y="5448300"/>
+            <a:ext cx="1510665" cy="548640"/>
+          </a:xfrm>
+          <a:prstGeom prst="rect">
+            <a:avLst/>
+          </a:prstGeom>
+          <a:solidFill>
+            <a:schemeClr val="accent5">
+              <a:lumMod val="20000"/>
+              <a:lumOff val="80000"/>
+            </a:schemeClr>
+          </a:solidFill>
+          <a:ln w="12700">
+            <a:solidFill>
+              <a:schemeClr val="accent5">
+                <a:lumMod val="75000"/>
+              </a:schemeClr>
+            </a:solidFill>
+          </a:ln>
+        </p:spPr>
+        <p:style>
+          <a:lnRef idx="2">
+            <a:schemeClr val="accent1">
+              <a:shade val="50000"/>
+            </a:schemeClr>
+          </a:lnRef>
+          <a:fillRef idx="1">
+            <a:schemeClr val="accent1"/>
+          </a:fillRef>
+          <a:effectRef idx="0">
+            <a:schemeClr val="accent1"/>
+          </a:effectRef>
+          <a:fontRef idx="minor">
+            <a:schemeClr val="lt1"/>
+          </a:fontRef>
+        </p:style>
+        <p:txBody>
+          <a:bodyPr rtlCol="0" anchor="ctr"/>
+          <a:lstStyle/>
+          <a:p>
+            <a:pPr algn="ctr"/>
+            <a:r>
+              <a:rPr lang="en-CA" dirty="0">
+                <a:solidFill>
+                  <a:schemeClr val="accent5">
+                    <a:lumMod val="75000"/>
+                  </a:schemeClr>
+                </a:solidFill>
+              </a:rPr>
+              <a:t>Statement</a:t>
+            </a:r>
+          </a:p>
+        </p:txBody>
+      </p:sp>
+      <p:sp>
+        <p:nvSpPr>
+          <p:cNvPr id="11" name="Rectangle 10">
+            <a:extLst>
+              <a:ext uri="{FF2B5EF4-FFF2-40B4-BE49-F238E27FC236}">
+                <a16:creationId xmlns:a16="http://schemas.microsoft.com/office/drawing/2014/main" id="{09A6DFE9-E67E-4454-84B4-A68044F1DBD2}"/>
+              </a:ext>
+            </a:extLst>
+          </p:cNvPr>
+          <p:cNvSpPr/>
+          <p:nvPr/>
+        </p:nvSpPr>
+        <p:spPr>
+          <a:xfrm>
+            <a:off x="2676525" y="6238875"/>
+            <a:ext cx="1510665" cy="548640"/>
+          </a:xfrm>
+          <a:prstGeom prst="rect">
+            <a:avLst/>
+          </a:prstGeom>
+          <a:solidFill>
+            <a:schemeClr val="accent5">
+              <a:lumMod val="20000"/>
+              <a:lumOff val="80000"/>
+            </a:schemeClr>
+          </a:solidFill>
+          <a:ln w="12700">
+            <a:solidFill>
+              <a:schemeClr val="accent5">
+                <a:lumMod val="75000"/>
+              </a:schemeClr>
+            </a:solidFill>
+          </a:ln>
+        </p:spPr>
+        <p:style>
+          <a:lnRef idx="2">
+            <a:schemeClr val="accent1">
+              <a:shade val="50000"/>
+            </a:schemeClr>
+          </a:lnRef>
+          <a:fillRef idx="1">
+            <a:schemeClr val="accent1"/>
+          </a:fillRef>
+          <a:effectRef idx="0">
+            <a:schemeClr val="accent1"/>
+          </a:effectRef>
+          <a:fontRef idx="minor">
+            <a:schemeClr val="lt1"/>
+          </a:fontRef>
+        </p:style>
+        <p:txBody>
+          <a:bodyPr rtlCol="0" anchor="ctr"/>
+          <a:lstStyle/>
+          <a:p>
+            <a:pPr algn="ctr"/>
+            <a:r>
+              <a:rPr lang="en-CA" dirty="0">
+                <a:solidFill>
+                  <a:schemeClr val="accent5">
+                    <a:lumMod val="75000"/>
+                  </a:schemeClr>
+                </a:solidFill>
+              </a:rPr>
+              <a:t>Statement</a:t>
+            </a:r>
+          </a:p>
+        </p:txBody>
+      </p:sp>
+      <p:cxnSp>
+        <p:nvCxnSpPr>
+          <p:cNvPr id="12" name="Straight Arrow Connector 11">
+            <a:extLst>
+              <a:ext uri="{FF2B5EF4-FFF2-40B4-BE49-F238E27FC236}">
+                <a16:creationId xmlns:a16="http://schemas.microsoft.com/office/drawing/2014/main" id="{EB11CD2E-F40C-436F-9BCF-0F4DE8CBB52E}"/>
+              </a:ext>
+            </a:extLst>
+          </p:cNvPr>
+          <p:cNvCxnSpPr>
+            <a:cxnSpLocks/>
+            <a:stCxn id="8" idx="2"/>
+            <a:endCxn id="11" idx="0"/>
+          </p:cNvCxnSpPr>
+          <p:nvPr/>
+        </p:nvCxnSpPr>
+        <p:spPr>
+          <a:xfrm>
+            <a:off x="3431858" y="5996940"/>
+            <a:ext cx="0" cy="241935"/>
+          </a:xfrm>
+          <a:prstGeom prst="straightConnector1">
+            <a:avLst/>
+          </a:prstGeom>
+          <a:ln w="44450">
+            <a:solidFill>
+              <a:schemeClr val="accent5">
+                <a:lumMod val="75000"/>
+              </a:schemeClr>
+            </a:solidFill>
+            <a:tailEnd type="triangle"/>
+          </a:ln>
+        </p:spPr>
+        <p:style>
+          <a:lnRef idx="1">
+            <a:schemeClr val="accent1"/>
+          </a:lnRef>
+          <a:fillRef idx="0">
+            <a:schemeClr val="accent1"/>
+          </a:fillRef>
+          <a:effectRef idx="0">
+            <a:schemeClr val="accent1"/>
+          </a:effectRef>
+          <a:fontRef idx="minor">
+            <a:schemeClr val="tx1"/>
+          </a:fontRef>
+        </p:style>
+      </p:cxnSp>
+      <p:sp>
+        <p:nvSpPr>
+          <p:cNvPr id="3" name="Diamond 2">
+            <a:extLst>
+              <a:ext uri="{FF2B5EF4-FFF2-40B4-BE49-F238E27FC236}">
+                <a16:creationId xmlns:a16="http://schemas.microsoft.com/office/drawing/2014/main" id="{88CA3CA8-F783-4D69-B476-6AC95A659A1B}"/>
+              </a:ext>
+            </a:extLst>
+          </p:cNvPr>
+          <p:cNvSpPr/>
+          <p:nvPr/>
+        </p:nvSpPr>
+        <p:spPr>
+          <a:xfrm>
+            <a:off x="2676528" y="838200"/>
+            <a:ext cx="1510662" cy="1075239"/>
+          </a:xfrm>
+          <a:prstGeom prst="diamond">
+            <a:avLst/>
+          </a:prstGeom>
+          <a:solidFill>
+            <a:srgbClr val="FFB9B9"/>
+          </a:solidFill>
+          <a:ln>
+            <a:solidFill>
+              <a:srgbClr val="FF0000"/>
+            </a:solidFill>
+          </a:ln>
+        </p:spPr>
+        <p:style>
+          <a:lnRef idx="2">
+            <a:schemeClr val="accent1">
+              <a:shade val="50000"/>
+            </a:schemeClr>
+          </a:lnRef>
+          <a:fillRef idx="1">
+            <a:schemeClr val="accent1"/>
+          </a:fillRef>
+          <a:effectRef idx="0">
+            <a:schemeClr val="accent1"/>
+          </a:effectRef>
+          <a:fontRef idx="minor">
+            <a:schemeClr val="lt1"/>
+          </a:fontRef>
+        </p:style>
+        <p:txBody>
+          <a:bodyPr lIns="0" tIns="0" rIns="0" bIns="0" rtlCol="0" anchor="ctr"/>
+          <a:lstStyle/>
+          <a:p>
+            <a:pPr algn="ctr"/>
+            <a:r>
+              <a:rPr lang="en-CA" sz="1200" b="1" dirty="0">
+                <a:solidFill>
+                  <a:schemeClr val="tx1"/>
+                </a:solidFill>
+              </a:rPr>
+              <a:t>if</a:t>
+            </a:r>
+          </a:p>
+          <a:p>
+            <a:pPr algn="ctr"/>
+            <a:r>
+              <a:rPr lang="en-CA" sz="1200" b="1" dirty="0">
+                <a:solidFill>
+                  <a:schemeClr val="tx1"/>
+                </a:solidFill>
+              </a:rPr>
+              <a:t>Condition 1</a:t>
+            </a:r>
+          </a:p>
+        </p:txBody>
+      </p:sp>
+      <p:sp>
+        <p:nvSpPr>
+          <p:cNvPr id="14" name="Rectangle 13">
+            <a:extLst>
+              <a:ext uri="{FF2B5EF4-FFF2-40B4-BE49-F238E27FC236}">
+                <a16:creationId xmlns:a16="http://schemas.microsoft.com/office/drawing/2014/main" id="{E9EC7144-D352-4BBF-8E2C-D8593EEBDD78}"/>
+              </a:ext>
+            </a:extLst>
+          </p:cNvPr>
+          <p:cNvSpPr/>
+          <p:nvPr/>
+        </p:nvSpPr>
+        <p:spPr>
+          <a:xfrm>
+            <a:off x="2577938" y="4041057"/>
+            <a:ext cx="1704971" cy="648244"/>
+          </a:xfrm>
+          <a:prstGeom prst="rect">
+            <a:avLst/>
+          </a:prstGeom>
+          <a:solidFill>
+            <a:srgbClr val="FFB9B9"/>
+          </a:solidFill>
+          <a:ln w="12700">
+            <a:solidFill>
+              <a:srgbClr val="FF0000"/>
+            </a:solidFill>
+          </a:ln>
+        </p:spPr>
+        <p:style>
+          <a:lnRef idx="2">
+            <a:schemeClr val="accent1">
+              <a:shade val="50000"/>
+            </a:schemeClr>
+          </a:lnRef>
+          <a:fillRef idx="1">
+            <a:schemeClr val="accent1"/>
+          </a:fillRef>
+          <a:effectRef idx="0">
+            <a:schemeClr val="accent1"/>
+          </a:effectRef>
+          <a:fontRef idx="minor">
+            <a:schemeClr val="lt1"/>
+          </a:fontRef>
+        </p:style>
+        <p:txBody>
+          <a:bodyPr rtlCol="0" anchor="ctr"/>
+          <a:lstStyle/>
+          <a:p>
+            <a:pPr algn="ctr"/>
+            <a:r>
+              <a:rPr lang="en-CA" sz="1600" dirty="0">
+                <a:solidFill>
+                  <a:schemeClr val="tx1"/>
+                </a:solidFill>
+              </a:rPr>
+              <a:t>Statement 1</a:t>
+            </a:r>
+          </a:p>
+        </p:txBody>
+      </p:sp>
+      <p:cxnSp>
+        <p:nvCxnSpPr>
+          <p:cNvPr id="16" name="Connector: Elbow 15">
+            <a:extLst>
+              <a:ext uri="{FF2B5EF4-FFF2-40B4-BE49-F238E27FC236}">
+                <a16:creationId xmlns:a16="http://schemas.microsoft.com/office/drawing/2014/main" id="{88686B7B-F9D5-4793-9C73-ADABA511FE75}"/>
+              </a:ext>
+            </a:extLst>
+          </p:cNvPr>
+          <p:cNvCxnSpPr>
+            <a:cxnSpLocks/>
+            <a:stCxn id="3" idx="3"/>
+            <a:endCxn id="15" idx="0"/>
+          </p:cNvCxnSpPr>
+          <p:nvPr/>
+        </p:nvCxnSpPr>
+        <p:spPr>
+          <a:xfrm>
+            <a:off x="4187190" y="1375820"/>
+            <a:ext cx="1574006" cy="351471"/>
+          </a:xfrm>
+          <a:prstGeom prst="bentConnector2">
+            <a:avLst/>
+          </a:prstGeom>
+          <a:ln w="44450">
+            <a:solidFill>
+              <a:srgbClr val="FF0000"/>
+            </a:solidFill>
+            <a:tailEnd type="triangle"/>
+          </a:ln>
+        </p:spPr>
+        <p:style>
+          <a:lnRef idx="1">
+            <a:schemeClr val="accent1"/>
+          </a:lnRef>
+          <a:fillRef idx="0">
+            <a:schemeClr val="accent1"/>
+          </a:fillRef>
+          <a:effectRef idx="0">
+            <a:schemeClr val="accent1"/>
+          </a:effectRef>
+          <a:fontRef idx="minor">
+            <a:schemeClr val="tx1"/>
+          </a:fontRef>
+        </p:style>
+      </p:cxnSp>
+      <p:cxnSp>
+        <p:nvCxnSpPr>
+          <p:cNvPr id="17" name="Connector: Elbow 16">
+            <a:extLst>
+              <a:ext uri="{FF2B5EF4-FFF2-40B4-BE49-F238E27FC236}">
+                <a16:creationId xmlns:a16="http://schemas.microsoft.com/office/drawing/2014/main" id="{D04AB3FE-8792-423C-A1F0-874EFA84DAD3}"/>
+              </a:ext>
+            </a:extLst>
+          </p:cNvPr>
+          <p:cNvCxnSpPr>
+            <a:cxnSpLocks/>
+            <a:stCxn id="3" idx="2"/>
+            <a:endCxn id="14" idx="0"/>
+          </p:cNvCxnSpPr>
+          <p:nvPr/>
+        </p:nvCxnSpPr>
+        <p:spPr>
+          <a:xfrm rot="5400000">
+            <a:off x="2367333" y="2976531"/>
+            <a:ext cx="2127618" cy="1435"/>
+          </a:xfrm>
+          <a:prstGeom prst="bentConnector3">
+            <a:avLst>
+              <a:gd name="adj1" fmla="val 50000"/>
+            </a:avLst>
+          </a:prstGeom>
+          <a:ln w="44450">
+            <a:solidFill>
+              <a:srgbClr val="FF0000"/>
+            </a:solidFill>
+            <a:tailEnd type="triangle"/>
+          </a:ln>
+        </p:spPr>
+        <p:style>
+          <a:lnRef idx="1">
+            <a:schemeClr val="accent1"/>
+          </a:lnRef>
+          <a:fillRef idx="0">
+            <a:schemeClr val="accent1"/>
+          </a:fillRef>
+          <a:effectRef idx="0">
+            <a:schemeClr val="accent1"/>
+          </a:effectRef>
+          <a:fontRef idx="minor">
+            <a:schemeClr val="tx1"/>
+          </a:fontRef>
+        </p:style>
+      </p:cxnSp>
+      <p:cxnSp>
+        <p:nvCxnSpPr>
+          <p:cNvPr id="21" name="Connector: Elbow 20">
+            <a:extLst>
+              <a:ext uri="{FF2B5EF4-FFF2-40B4-BE49-F238E27FC236}">
+                <a16:creationId xmlns:a16="http://schemas.microsoft.com/office/drawing/2014/main" id="{E3EC719A-A077-4139-845D-DBE01AD000C2}"/>
+              </a:ext>
+            </a:extLst>
+          </p:cNvPr>
+          <p:cNvCxnSpPr>
+            <a:cxnSpLocks/>
+            <a:stCxn id="23" idx="2"/>
+          </p:cNvCxnSpPr>
+          <p:nvPr/>
+        </p:nvCxnSpPr>
+        <p:spPr>
+          <a:xfrm rot="5400000">
+            <a:off x="4430570" y="3728649"/>
+            <a:ext cx="389300" cy="2291003"/>
+          </a:xfrm>
+          <a:prstGeom prst="bentConnector2">
+            <a:avLst/>
+          </a:prstGeom>
+          <a:ln w="44450">
+            <a:tailEnd type="triangle"/>
+          </a:ln>
+        </p:spPr>
+        <p:style>
+          <a:lnRef idx="1">
+            <a:schemeClr val="accent1"/>
+          </a:lnRef>
+          <a:fillRef idx="0">
+            <a:schemeClr val="accent1"/>
+          </a:fillRef>
+          <a:effectRef idx="0">
+            <a:schemeClr val="accent1"/>
+          </a:effectRef>
+          <a:fontRef idx="minor">
+            <a:schemeClr val="tx1"/>
+          </a:fontRef>
+        </p:style>
+      </p:cxnSp>
+      <p:cxnSp>
+        <p:nvCxnSpPr>
+          <p:cNvPr id="22" name="Connector: Elbow 21">
+            <a:extLst>
+              <a:ext uri="{FF2B5EF4-FFF2-40B4-BE49-F238E27FC236}">
+                <a16:creationId xmlns:a16="http://schemas.microsoft.com/office/drawing/2014/main" id="{1670DDA2-C556-4213-A570-CE4A320E89A3}"/>
+              </a:ext>
+            </a:extLst>
+          </p:cNvPr>
+          <p:cNvCxnSpPr>
+            <a:cxnSpLocks/>
+            <a:stCxn id="14" idx="2"/>
+            <a:endCxn id="8" idx="0"/>
+          </p:cNvCxnSpPr>
+          <p:nvPr/>
+        </p:nvCxnSpPr>
+        <p:spPr>
+          <a:xfrm rot="16200000" flipH="1">
+            <a:off x="3051642" y="5068083"/>
+            <a:ext cx="758999" cy="1434"/>
+          </a:xfrm>
+          <a:prstGeom prst="bentConnector3">
+            <a:avLst>
+              <a:gd name="adj1" fmla="val 50000"/>
+            </a:avLst>
+          </a:prstGeom>
+          <a:ln w="44450">
+            <a:tailEnd type="triangle"/>
+          </a:ln>
+        </p:spPr>
+        <p:style>
+          <a:lnRef idx="1">
+            <a:schemeClr val="accent1"/>
+          </a:lnRef>
+          <a:fillRef idx="0">
+            <a:schemeClr val="accent1"/>
+          </a:fillRef>
+          <a:effectRef idx="0">
+            <a:schemeClr val="accent1"/>
+          </a:effectRef>
+          <a:fontRef idx="minor">
+            <a:schemeClr val="tx1"/>
+          </a:fontRef>
+        </p:style>
+      </p:cxnSp>
+      <p:sp>
+        <p:nvSpPr>
+          <p:cNvPr id="15" name="Diamond 14">
+            <a:extLst>
+              <a:ext uri="{FF2B5EF4-FFF2-40B4-BE49-F238E27FC236}">
+                <a16:creationId xmlns:a16="http://schemas.microsoft.com/office/drawing/2014/main" id="{5ADF221D-3358-4A5F-89C0-66E7BEE22E26}"/>
+              </a:ext>
+            </a:extLst>
+          </p:cNvPr>
+          <p:cNvSpPr/>
+          <p:nvPr/>
+        </p:nvSpPr>
+        <p:spPr>
+          <a:xfrm>
+            <a:off x="5005865" y="1727291"/>
+            <a:ext cx="1510662" cy="1075239"/>
+          </a:xfrm>
+          <a:prstGeom prst="diamond">
+            <a:avLst/>
+          </a:prstGeom>
+          <a:solidFill>
+            <a:srgbClr val="FFB9B9"/>
+          </a:solidFill>
+          <a:ln>
+            <a:solidFill>
+              <a:srgbClr val="FF0000"/>
+            </a:solidFill>
+          </a:ln>
+        </p:spPr>
+        <p:style>
+          <a:lnRef idx="2">
+            <a:schemeClr val="accent1">
+              <a:shade val="50000"/>
+            </a:schemeClr>
+          </a:lnRef>
+          <a:fillRef idx="1">
+            <a:schemeClr val="accent1"/>
+          </a:fillRef>
+          <a:effectRef idx="0">
+            <a:schemeClr val="accent1"/>
+          </a:effectRef>
+          <a:fontRef idx="minor">
+            <a:schemeClr val="lt1"/>
+          </a:fontRef>
+        </p:style>
+        <p:txBody>
+          <a:bodyPr lIns="0" tIns="0" rIns="0" bIns="0" rtlCol="0" anchor="ctr"/>
+          <a:lstStyle/>
+          <a:p>
+            <a:pPr algn="ctr"/>
+            <a:r>
+              <a:rPr lang="en-CA" sz="1200" b="1" dirty="0">
+                <a:solidFill>
+                  <a:schemeClr val="tx1"/>
+                </a:solidFill>
+              </a:rPr>
+              <a:t>else if</a:t>
+            </a:r>
+          </a:p>
+          <a:p>
+            <a:pPr algn="ctr"/>
+            <a:r>
+              <a:rPr lang="en-CA" sz="1200" b="1" dirty="0">
+                <a:solidFill>
+                  <a:schemeClr val="tx1"/>
+                </a:solidFill>
+              </a:rPr>
+              <a:t>Condition 2</a:t>
+            </a:r>
+          </a:p>
+        </p:txBody>
+      </p:sp>
+      <p:sp>
+        <p:nvSpPr>
+          <p:cNvPr id="23" name="Rectangle 22">
+            <a:extLst>
+              <a:ext uri="{FF2B5EF4-FFF2-40B4-BE49-F238E27FC236}">
+                <a16:creationId xmlns:a16="http://schemas.microsoft.com/office/drawing/2014/main" id="{CA4EDDB9-9BE5-4328-AE09-EF6717B8A395}"/>
+              </a:ext>
+            </a:extLst>
+          </p:cNvPr>
+          <p:cNvSpPr/>
+          <p:nvPr/>
+        </p:nvSpPr>
+        <p:spPr>
+          <a:xfrm>
+            <a:off x="4918235" y="4031256"/>
+            <a:ext cx="1704971" cy="648244"/>
+          </a:xfrm>
+          <a:prstGeom prst="rect">
+            <a:avLst/>
+          </a:prstGeom>
+          <a:solidFill>
+            <a:srgbClr val="FFB9B9"/>
+          </a:solidFill>
+          <a:ln w="12700">
+            <a:solidFill>
+              <a:srgbClr val="FF0000"/>
+            </a:solidFill>
+          </a:ln>
+        </p:spPr>
+        <p:style>
+          <a:lnRef idx="2">
+            <a:schemeClr val="accent1">
+              <a:shade val="50000"/>
+            </a:schemeClr>
+          </a:lnRef>
+          <a:fillRef idx="1">
+            <a:schemeClr val="accent1"/>
+          </a:fillRef>
+          <a:effectRef idx="0">
+            <a:schemeClr val="accent1"/>
+          </a:effectRef>
+          <a:fontRef idx="minor">
+            <a:schemeClr val="lt1"/>
+          </a:fontRef>
+        </p:style>
+        <p:txBody>
+          <a:bodyPr rtlCol="0" anchor="ctr"/>
+          <a:lstStyle/>
+          <a:p>
+            <a:pPr algn="ctr"/>
+            <a:r>
+              <a:rPr lang="en-CA" sz="1600" dirty="0">
+                <a:solidFill>
+                  <a:schemeClr val="tx1"/>
+                </a:solidFill>
+              </a:rPr>
+              <a:t>Statement 2</a:t>
+            </a:r>
+          </a:p>
+        </p:txBody>
+      </p:sp>
+      <p:sp>
+        <p:nvSpPr>
+          <p:cNvPr id="24" name="Diamond 23">
+            <a:extLst>
+              <a:ext uri="{FF2B5EF4-FFF2-40B4-BE49-F238E27FC236}">
+                <a16:creationId xmlns:a16="http://schemas.microsoft.com/office/drawing/2014/main" id="{7D12C63A-1E79-4320-9CC6-0ACC38D5E53D}"/>
+              </a:ext>
+            </a:extLst>
+          </p:cNvPr>
+          <p:cNvSpPr/>
+          <p:nvPr/>
+        </p:nvSpPr>
+        <p:spPr>
+          <a:xfrm>
+            <a:off x="7451409" y="2604677"/>
+            <a:ext cx="1510662" cy="1075239"/>
+          </a:xfrm>
+          <a:prstGeom prst="diamond">
+            <a:avLst/>
+          </a:prstGeom>
+          <a:solidFill>
+            <a:srgbClr val="FFB9B9"/>
+          </a:solidFill>
+          <a:ln>
+            <a:solidFill>
+              <a:srgbClr val="FF0000"/>
+            </a:solidFill>
+          </a:ln>
+        </p:spPr>
+        <p:style>
+          <a:lnRef idx="2">
+            <a:schemeClr val="accent1">
+              <a:shade val="50000"/>
+            </a:schemeClr>
+          </a:lnRef>
+          <a:fillRef idx="1">
+            <a:schemeClr val="accent1"/>
+          </a:fillRef>
+          <a:effectRef idx="0">
+            <a:schemeClr val="accent1"/>
+          </a:effectRef>
+          <a:fontRef idx="minor">
+            <a:schemeClr val="lt1"/>
+          </a:fontRef>
+        </p:style>
+        <p:txBody>
+          <a:bodyPr lIns="0" tIns="0" rIns="0" bIns="0" rtlCol="0" anchor="ctr"/>
+          <a:lstStyle/>
+          <a:p>
+            <a:pPr algn="ctr"/>
+            <a:r>
+              <a:rPr lang="en-CA" sz="1200" b="1" dirty="0">
+                <a:solidFill>
+                  <a:schemeClr val="tx1"/>
+                </a:solidFill>
+              </a:rPr>
+              <a:t>else</a:t>
+            </a:r>
+          </a:p>
+          <a:p>
+            <a:pPr algn="ctr"/>
+            <a:r>
+              <a:rPr lang="en-CA" sz="1200" b="1" dirty="0">
+                <a:solidFill>
+                  <a:schemeClr val="tx1"/>
+                </a:solidFill>
+              </a:rPr>
+              <a:t>Condition </a:t>
+            </a:r>
+            <a:r>
+              <a:rPr lang="en-CA" sz="1200" b="1" i="1" dirty="0">
+                <a:solidFill>
+                  <a:schemeClr val="tx1"/>
+                </a:solidFill>
+              </a:rPr>
+              <a:t>n</a:t>
+            </a:r>
+          </a:p>
+        </p:txBody>
+      </p:sp>
+      <p:cxnSp>
+        <p:nvCxnSpPr>
+          <p:cNvPr id="25" name="Connector: Elbow 24">
+            <a:extLst>
+              <a:ext uri="{FF2B5EF4-FFF2-40B4-BE49-F238E27FC236}">
+                <a16:creationId xmlns:a16="http://schemas.microsoft.com/office/drawing/2014/main" id="{7E9B5CC9-044D-4BAB-BA7A-6CA18C975603}"/>
+              </a:ext>
+            </a:extLst>
+          </p:cNvPr>
+          <p:cNvCxnSpPr>
+            <a:cxnSpLocks/>
+            <a:stCxn id="15" idx="3"/>
+            <a:endCxn id="24" idx="0"/>
+          </p:cNvCxnSpPr>
+          <p:nvPr/>
+        </p:nvCxnSpPr>
+        <p:spPr>
+          <a:xfrm>
+            <a:off x="6516527" y="2264911"/>
+            <a:ext cx="1690213" cy="339766"/>
+          </a:xfrm>
+          <a:prstGeom prst="bentConnector2">
+            <a:avLst/>
+          </a:prstGeom>
+          <a:ln w="44450">
+            <a:solidFill>
+              <a:srgbClr val="FF0000"/>
+            </a:solidFill>
+            <a:tailEnd type="triangle"/>
+          </a:ln>
+        </p:spPr>
+        <p:style>
+          <a:lnRef idx="1">
+            <a:schemeClr val="accent1"/>
+          </a:lnRef>
+          <a:fillRef idx="0">
+            <a:schemeClr val="accent1"/>
+          </a:fillRef>
+          <a:effectRef idx="0">
+            <a:schemeClr val="accent1"/>
+          </a:effectRef>
+          <a:fontRef idx="minor">
+            <a:schemeClr val="tx1"/>
+          </a:fontRef>
+        </p:style>
+      </p:cxnSp>
+      <p:sp>
+        <p:nvSpPr>
+          <p:cNvPr id="28" name="Rectangle 27">
+            <a:extLst>
+              <a:ext uri="{FF2B5EF4-FFF2-40B4-BE49-F238E27FC236}">
+                <a16:creationId xmlns:a16="http://schemas.microsoft.com/office/drawing/2014/main" id="{C9BE4A8D-50E4-4E66-BE2C-DD32C22B4FCE}"/>
+              </a:ext>
+            </a:extLst>
+          </p:cNvPr>
+          <p:cNvSpPr/>
+          <p:nvPr/>
+        </p:nvSpPr>
+        <p:spPr>
+          <a:xfrm>
+            <a:off x="7354250" y="4041057"/>
+            <a:ext cx="1704971" cy="648244"/>
+          </a:xfrm>
+          <a:prstGeom prst="rect">
+            <a:avLst/>
+          </a:prstGeom>
+          <a:solidFill>
+            <a:srgbClr val="FFB9B9"/>
+          </a:solidFill>
+          <a:ln w="12700">
+            <a:solidFill>
+              <a:srgbClr val="FF0000"/>
+            </a:solidFill>
+          </a:ln>
+        </p:spPr>
+        <p:style>
+          <a:lnRef idx="2">
+            <a:schemeClr val="accent1">
+              <a:shade val="50000"/>
+            </a:schemeClr>
+          </a:lnRef>
+          <a:fillRef idx="1">
+            <a:schemeClr val="accent1"/>
+          </a:fillRef>
+          <a:effectRef idx="0">
+            <a:schemeClr val="accent1"/>
+          </a:effectRef>
+          <a:fontRef idx="minor">
+            <a:schemeClr val="lt1"/>
+          </a:fontRef>
+        </p:style>
+        <p:txBody>
+          <a:bodyPr rtlCol="0" anchor="ctr"/>
+          <a:lstStyle/>
+          <a:p>
+            <a:pPr algn="ctr"/>
+            <a:r>
+              <a:rPr lang="en-CA" sz="1600" dirty="0">
+                <a:solidFill>
+                  <a:schemeClr val="tx1"/>
+                </a:solidFill>
+              </a:rPr>
+              <a:t>Statement </a:t>
+            </a:r>
+            <a:r>
+              <a:rPr lang="en-CA" sz="1600" i="1" dirty="0">
+                <a:solidFill>
+                  <a:schemeClr val="tx1"/>
+                </a:solidFill>
+              </a:rPr>
+              <a:t>n</a:t>
+            </a:r>
+          </a:p>
+        </p:txBody>
+      </p:sp>
+      <p:cxnSp>
+        <p:nvCxnSpPr>
+          <p:cNvPr id="39" name="Straight Arrow Connector 38">
+            <a:extLst>
+              <a:ext uri="{FF2B5EF4-FFF2-40B4-BE49-F238E27FC236}">
+                <a16:creationId xmlns:a16="http://schemas.microsoft.com/office/drawing/2014/main" id="{67C265DE-D8DE-49EA-B21E-C0B127545199}"/>
+              </a:ext>
+            </a:extLst>
+          </p:cNvPr>
+          <p:cNvCxnSpPr>
+            <a:cxnSpLocks/>
+            <a:stCxn id="15" idx="2"/>
+            <a:endCxn id="23" idx="0"/>
+          </p:cNvCxnSpPr>
+          <p:nvPr/>
+        </p:nvCxnSpPr>
+        <p:spPr>
+          <a:xfrm>
+            <a:off x="5761196" y="2802530"/>
+            <a:ext cx="9525" cy="1228726"/>
+          </a:xfrm>
+          <a:prstGeom prst="straightConnector1">
+            <a:avLst/>
+          </a:prstGeom>
+          <a:ln w="44450">
+            <a:solidFill>
+              <a:srgbClr val="FF0000"/>
+            </a:solidFill>
+            <a:tailEnd type="triangle"/>
+          </a:ln>
+        </p:spPr>
+        <p:style>
+          <a:lnRef idx="1">
+            <a:schemeClr val="accent1"/>
+          </a:lnRef>
+          <a:fillRef idx="0">
+            <a:schemeClr val="accent1"/>
+          </a:fillRef>
+          <a:effectRef idx="0">
+            <a:schemeClr val="accent1"/>
+          </a:effectRef>
+          <a:fontRef idx="minor">
+            <a:schemeClr val="tx1"/>
+          </a:fontRef>
+        </p:style>
+      </p:cxnSp>
+      <p:cxnSp>
+        <p:nvCxnSpPr>
+          <p:cNvPr id="44" name="Straight Arrow Connector 43">
+            <a:extLst>
+              <a:ext uri="{FF2B5EF4-FFF2-40B4-BE49-F238E27FC236}">
+                <a16:creationId xmlns:a16="http://schemas.microsoft.com/office/drawing/2014/main" id="{899B02B4-5FFB-42E8-B843-E3F27B0ED300}"/>
+              </a:ext>
+            </a:extLst>
+          </p:cNvPr>
+          <p:cNvCxnSpPr>
+            <a:cxnSpLocks/>
+            <a:stCxn id="24" idx="2"/>
+            <a:endCxn id="28" idx="0"/>
+          </p:cNvCxnSpPr>
+          <p:nvPr/>
+        </p:nvCxnSpPr>
+        <p:spPr>
+          <a:xfrm flipH="1">
+            <a:off x="8206736" y="3679916"/>
+            <a:ext cx="4" cy="361141"/>
+          </a:xfrm>
+          <a:prstGeom prst="straightConnector1">
+            <a:avLst/>
+          </a:prstGeom>
+          <a:ln w="44450">
+            <a:solidFill>
+              <a:srgbClr val="FF0000"/>
+            </a:solidFill>
+            <a:tailEnd type="triangle"/>
+          </a:ln>
+        </p:spPr>
+        <p:style>
+          <a:lnRef idx="1">
+            <a:schemeClr val="accent1"/>
+          </a:lnRef>
+          <a:fillRef idx="0">
+            <a:schemeClr val="accent1"/>
+          </a:fillRef>
+          <a:effectRef idx="0">
+            <a:schemeClr val="accent1"/>
+          </a:effectRef>
+          <a:fontRef idx="minor">
+            <a:schemeClr val="tx1"/>
+          </a:fontRef>
+        </p:style>
+      </p:cxnSp>
+      <p:cxnSp>
+        <p:nvCxnSpPr>
+          <p:cNvPr id="49" name="Connector: Elbow 48">
+            <a:extLst>
+              <a:ext uri="{FF2B5EF4-FFF2-40B4-BE49-F238E27FC236}">
+                <a16:creationId xmlns:a16="http://schemas.microsoft.com/office/drawing/2014/main" id="{23A5BA20-9D21-4756-8E7F-28EB2C579E6C}"/>
+              </a:ext>
+            </a:extLst>
+          </p:cNvPr>
+          <p:cNvCxnSpPr>
+            <a:cxnSpLocks/>
+            <a:stCxn id="28" idx="2"/>
+          </p:cNvCxnSpPr>
+          <p:nvPr/>
+        </p:nvCxnSpPr>
+        <p:spPr>
+          <a:xfrm rot="5400000">
+            <a:off x="5653477" y="2515542"/>
+            <a:ext cx="379501" cy="4727018"/>
+          </a:xfrm>
+          <a:prstGeom prst="bentConnector2">
+            <a:avLst/>
+          </a:prstGeom>
+          <a:ln w="44450">
+            <a:tailEnd type="triangle"/>
+          </a:ln>
+        </p:spPr>
+        <p:style>
+          <a:lnRef idx="1">
+            <a:schemeClr val="accent1"/>
+          </a:lnRef>
+          <a:fillRef idx="0">
+            <a:schemeClr val="accent1"/>
+          </a:fillRef>
+          <a:effectRef idx="0">
+            <a:schemeClr val="accent1"/>
+          </a:effectRef>
+          <a:fontRef idx="minor">
+            <a:schemeClr val="tx1"/>
+          </a:fontRef>
+        </p:style>
+      </p:cxnSp>
+      <p:sp>
+        <p:nvSpPr>
+          <p:cNvPr id="54" name="Rectangle 53">
+            <a:extLst>
+              <a:ext uri="{FF2B5EF4-FFF2-40B4-BE49-F238E27FC236}">
+                <a16:creationId xmlns:a16="http://schemas.microsoft.com/office/drawing/2014/main" id="{00F76115-252E-4001-87CD-E9AB8444098C}"/>
+              </a:ext>
+            </a:extLst>
+          </p:cNvPr>
+          <p:cNvSpPr/>
+          <p:nvPr/>
+        </p:nvSpPr>
+        <p:spPr>
+          <a:xfrm>
+            <a:off x="2804643" y="2364104"/>
+            <a:ext cx="691036" cy="648244"/>
+          </a:xfrm>
+          <a:prstGeom prst="rect">
+            <a:avLst/>
+          </a:prstGeom>
+          <a:noFill/>
+          <a:ln w="12700">
+            <a:noFill/>
+          </a:ln>
+        </p:spPr>
+        <p:style>
+          <a:lnRef idx="2">
+            <a:schemeClr val="accent1">
+              <a:shade val="50000"/>
+            </a:schemeClr>
+          </a:lnRef>
+          <a:fillRef idx="1">
+            <a:schemeClr val="accent1"/>
+          </a:fillRef>
+          <a:effectRef idx="0">
+            <a:schemeClr val="accent1"/>
+          </a:effectRef>
+          <a:fontRef idx="minor">
+            <a:schemeClr val="lt1"/>
+          </a:fontRef>
+        </p:style>
+        <p:txBody>
+          <a:bodyPr rtlCol="0" anchor="ctr"/>
+          <a:lstStyle/>
+          <a:p>
+            <a:r>
+              <a:rPr lang="en-CA" sz="1600" i="1" dirty="0">
+                <a:solidFill>
+                  <a:schemeClr val="tx1"/>
+                </a:solidFill>
+              </a:rPr>
+              <a:t>TRUE</a:t>
+            </a:r>
+            <a:endParaRPr lang="en-CA" sz="1000" dirty="0">
+              <a:solidFill>
+                <a:schemeClr val="tx1"/>
+              </a:solidFill>
+            </a:endParaRPr>
+          </a:p>
+        </p:txBody>
+      </p:sp>
+      <p:sp>
+        <p:nvSpPr>
+          <p:cNvPr id="55" name="Rectangle 54">
+            <a:extLst>
+              <a:ext uri="{FF2B5EF4-FFF2-40B4-BE49-F238E27FC236}">
+                <a16:creationId xmlns:a16="http://schemas.microsoft.com/office/drawing/2014/main" id="{A393B018-B2EA-486F-B012-F0B7211BF6D5}"/>
+              </a:ext>
+            </a:extLst>
+          </p:cNvPr>
+          <p:cNvSpPr/>
+          <p:nvPr/>
+        </p:nvSpPr>
+        <p:spPr>
+          <a:xfrm>
+            <a:off x="5161708" y="2931528"/>
+            <a:ext cx="691036" cy="648244"/>
+          </a:xfrm>
+          <a:prstGeom prst="rect">
+            <a:avLst/>
+          </a:prstGeom>
+          <a:noFill/>
+          <a:ln w="12700">
+            <a:noFill/>
+          </a:ln>
+        </p:spPr>
+        <p:style>
+          <a:lnRef idx="2">
+            <a:schemeClr val="accent1">
+              <a:shade val="50000"/>
+            </a:schemeClr>
+          </a:lnRef>
+          <a:fillRef idx="1">
+            <a:schemeClr val="accent1"/>
+          </a:fillRef>
+          <a:effectRef idx="0">
+            <a:schemeClr val="accent1"/>
+          </a:effectRef>
+          <a:fontRef idx="minor">
+            <a:schemeClr val="lt1"/>
+          </a:fontRef>
+        </p:style>
+        <p:txBody>
+          <a:bodyPr rtlCol="0" anchor="ctr"/>
+          <a:lstStyle/>
+          <a:p>
+            <a:r>
+              <a:rPr lang="en-CA" sz="1600" i="1" dirty="0">
+                <a:solidFill>
+                  <a:schemeClr val="tx1"/>
+                </a:solidFill>
+              </a:rPr>
+              <a:t>TRUE</a:t>
+            </a:r>
+            <a:endParaRPr lang="en-CA" sz="1000" dirty="0">
+              <a:solidFill>
+                <a:schemeClr val="tx1"/>
+              </a:solidFill>
+            </a:endParaRPr>
+          </a:p>
+        </p:txBody>
+      </p:sp>
+      <p:sp>
+        <p:nvSpPr>
+          <p:cNvPr id="56" name="Rectangle 55">
+            <a:extLst>
+              <a:ext uri="{FF2B5EF4-FFF2-40B4-BE49-F238E27FC236}">
+                <a16:creationId xmlns:a16="http://schemas.microsoft.com/office/drawing/2014/main" id="{C9C2E369-A61B-4075-93B2-B360B50DC4E2}"/>
+              </a:ext>
+            </a:extLst>
+          </p:cNvPr>
+          <p:cNvSpPr/>
+          <p:nvPr/>
+        </p:nvSpPr>
+        <p:spPr>
+          <a:xfrm>
+            <a:off x="7558088" y="3432266"/>
+            <a:ext cx="691036" cy="648244"/>
+          </a:xfrm>
+          <a:prstGeom prst="rect">
+            <a:avLst/>
+          </a:prstGeom>
+          <a:noFill/>
+          <a:ln w="12700">
+            <a:noFill/>
+          </a:ln>
+        </p:spPr>
+        <p:style>
+          <a:lnRef idx="2">
+            <a:schemeClr val="accent1">
+              <a:shade val="50000"/>
+            </a:schemeClr>
+          </a:lnRef>
+          <a:fillRef idx="1">
+            <a:schemeClr val="accent1"/>
+          </a:fillRef>
+          <a:effectRef idx="0">
+            <a:schemeClr val="accent1"/>
+          </a:effectRef>
+          <a:fontRef idx="minor">
+            <a:schemeClr val="lt1"/>
+          </a:fontRef>
+        </p:style>
+        <p:txBody>
+          <a:bodyPr rtlCol="0" anchor="ctr"/>
+          <a:lstStyle/>
+          <a:p>
+            <a:r>
+              <a:rPr lang="en-CA" sz="1600" i="1" dirty="0">
+                <a:solidFill>
+                  <a:schemeClr val="tx1"/>
+                </a:solidFill>
+              </a:rPr>
+              <a:t>TRUE</a:t>
+            </a:r>
+            <a:endParaRPr lang="en-CA" sz="1000" dirty="0">
+              <a:solidFill>
+                <a:schemeClr val="tx1"/>
+              </a:solidFill>
+            </a:endParaRPr>
+          </a:p>
+        </p:txBody>
+      </p:sp>
+      <p:cxnSp>
+        <p:nvCxnSpPr>
+          <p:cNvPr id="64" name="Connector: Elbow 63">
+            <a:extLst>
+              <a:ext uri="{FF2B5EF4-FFF2-40B4-BE49-F238E27FC236}">
+                <a16:creationId xmlns:a16="http://schemas.microsoft.com/office/drawing/2014/main" id="{FFD289B0-3A2E-4F50-B828-354B18BC9216}"/>
+              </a:ext>
+            </a:extLst>
+          </p:cNvPr>
+          <p:cNvCxnSpPr>
+            <a:cxnSpLocks/>
+            <a:stCxn id="24" idx="3"/>
+          </p:cNvCxnSpPr>
+          <p:nvPr/>
+        </p:nvCxnSpPr>
+        <p:spPr>
+          <a:xfrm flipH="1">
+            <a:off x="3495679" y="3142297"/>
+            <a:ext cx="5466392" cy="1926503"/>
+          </a:xfrm>
+          <a:prstGeom prst="bentConnector3">
+            <a:avLst>
+              <a:gd name="adj1" fmla="val -10106"/>
+            </a:avLst>
+          </a:prstGeom>
+          <a:ln w="44450">
+            <a:tailEnd type="triangle"/>
+          </a:ln>
+        </p:spPr>
+        <p:style>
+          <a:lnRef idx="1">
+            <a:schemeClr val="accent1"/>
+          </a:lnRef>
+          <a:fillRef idx="0">
+            <a:schemeClr val="accent1"/>
+          </a:fillRef>
+          <a:effectRef idx="0">
+            <a:schemeClr val="accent1"/>
+          </a:effectRef>
+          <a:fontRef idx="minor">
+            <a:schemeClr val="tx1"/>
+          </a:fontRef>
+        </p:style>
+      </p:cxnSp>
+      <p:sp>
+        <p:nvSpPr>
+          <p:cNvPr id="69" name="Rectangle 68">
+            <a:extLst>
+              <a:ext uri="{FF2B5EF4-FFF2-40B4-BE49-F238E27FC236}">
+                <a16:creationId xmlns:a16="http://schemas.microsoft.com/office/drawing/2014/main" id="{88DB2414-11D0-4A24-A492-D51C2B95C7CF}"/>
+              </a:ext>
+            </a:extLst>
+          </p:cNvPr>
+          <p:cNvSpPr/>
+          <p:nvPr/>
+        </p:nvSpPr>
+        <p:spPr>
+          <a:xfrm>
+            <a:off x="8958255" y="2653126"/>
+            <a:ext cx="691036" cy="648244"/>
+          </a:xfrm>
+          <a:prstGeom prst="rect">
+            <a:avLst/>
+          </a:prstGeom>
+          <a:noFill/>
+          <a:ln w="12700">
+            <a:noFill/>
+          </a:ln>
+        </p:spPr>
+        <p:style>
+          <a:lnRef idx="2">
+            <a:schemeClr val="accent1">
+              <a:shade val="50000"/>
+            </a:schemeClr>
+          </a:lnRef>
+          <a:fillRef idx="1">
+            <a:schemeClr val="accent1"/>
+          </a:fillRef>
+          <a:effectRef idx="0">
+            <a:schemeClr val="accent1"/>
+          </a:effectRef>
+          <a:fontRef idx="minor">
+            <a:schemeClr val="lt1"/>
+          </a:fontRef>
+        </p:style>
+        <p:txBody>
+          <a:bodyPr rtlCol="0" anchor="ctr"/>
+          <a:lstStyle/>
+          <a:p>
+            <a:r>
+              <a:rPr lang="en-CA" sz="1600" i="1" dirty="0">
+                <a:solidFill>
+                  <a:schemeClr val="tx1"/>
+                </a:solidFill>
+              </a:rPr>
+              <a:t>FALSE</a:t>
+            </a:r>
+            <a:endParaRPr lang="en-CA" sz="1000" dirty="0">
+              <a:solidFill>
+                <a:schemeClr val="tx1"/>
+              </a:solidFill>
+            </a:endParaRPr>
+          </a:p>
+        </p:txBody>
+      </p:sp>
+      <p:sp>
+        <p:nvSpPr>
+          <p:cNvPr id="70" name="Rectangle 69">
+            <a:extLst>
+              <a:ext uri="{FF2B5EF4-FFF2-40B4-BE49-F238E27FC236}">
+                <a16:creationId xmlns:a16="http://schemas.microsoft.com/office/drawing/2014/main" id="{A1EAD683-F4EF-4881-8DAC-22D4D55698D5}"/>
+              </a:ext>
+            </a:extLst>
+          </p:cNvPr>
+          <p:cNvSpPr/>
+          <p:nvPr/>
+        </p:nvSpPr>
+        <p:spPr>
+          <a:xfrm>
+            <a:off x="6516527" y="1786550"/>
+            <a:ext cx="691036" cy="648244"/>
+          </a:xfrm>
+          <a:prstGeom prst="rect">
+            <a:avLst/>
+          </a:prstGeom>
+          <a:noFill/>
+          <a:ln w="12700">
+            <a:noFill/>
+          </a:ln>
+        </p:spPr>
+        <p:style>
+          <a:lnRef idx="2">
+            <a:schemeClr val="accent1">
+              <a:shade val="50000"/>
+            </a:schemeClr>
+          </a:lnRef>
+          <a:fillRef idx="1">
+            <a:schemeClr val="accent1"/>
+          </a:fillRef>
+          <a:effectRef idx="0">
+            <a:schemeClr val="accent1"/>
+          </a:effectRef>
+          <a:fontRef idx="minor">
+            <a:schemeClr val="lt1"/>
+          </a:fontRef>
+        </p:style>
+        <p:txBody>
+          <a:bodyPr rtlCol="0" anchor="ctr"/>
+          <a:lstStyle/>
+          <a:p>
+            <a:r>
+              <a:rPr lang="en-CA" sz="1600" i="1" dirty="0">
+                <a:solidFill>
+                  <a:schemeClr val="tx1"/>
+                </a:solidFill>
+              </a:rPr>
+              <a:t>FALSE</a:t>
+            </a:r>
+            <a:endParaRPr lang="en-CA" sz="1000" dirty="0">
+              <a:solidFill>
+                <a:schemeClr val="tx1"/>
+              </a:solidFill>
+            </a:endParaRPr>
+          </a:p>
+        </p:txBody>
+      </p:sp>
+      <p:sp>
+        <p:nvSpPr>
+          <p:cNvPr id="71" name="Rectangle 70">
+            <a:extLst>
+              <a:ext uri="{FF2B5EF4-FFF2-40B4-BE49-F238E27FC236}">
+                <a16:creationId xmlns:a16="http://schemas.microsoft.com/office/drawing/2014/main" id="{494B6813-5BD4-4530-B6B4-818DBD76B989}"/>
+              </a:ext>
+            </a:extLst>
+          </p:cNvPr>
+          <p:cNvSpPr/>
+          <p:nvPr/>
+        </p:nvSpPr>
+        <p:spPr>
+          <a:xfrm>
+            <a:off x="4187190" y="902774"/>
+            <a:ext cx="691036" cy="648244"/>
+          </a:xfrm>
+          <a:prstGeom prst="rect">
+            <a:avLst/>
+          </a:prstGeom>
+          <a:noFill/>
+          <a:ln w="12700">
+            <a:noFill/>
+          </a:ln>
+        </p:spPr>
+        <p:style>
+          <a:lnRef idx="2">
+            <a:schemeClr val="accent1">
+              <a:shade val="50000"/>
+            </a:schemeClr>
+          </a:lnRef>
+          <a:fillRef idx="1">
+            <a:schemeClr val="accent1"/>
+          </a:fillRef>
+          <a:effectRef idx="0">
+            <a:schemeClr val="accent1"/>
+          </a:effectRef>
+          <a:fontRef idx="minor">
+            <a:schemeClr val="lt1"/>
+          </a:fontRef>
+        </p:style>
+        <p:txBody>
+          <a:bodyPr rtlCol="0" anchor="ctr"/>
+          <a:lstStyle/>
+          <a:p>
+            <a:r>
+              <a:rPr lang="en-CA" sz="1600" i="1" dirty="0">
+                <a:solidFill>
+                  <a:schemeClr val="tx1"/>
+                </a:solidFill>
+              </a:rPr>
+              <a:t>FALSE</a:t>
+            </a:r>
+            <a:endParaRPr lang="en-CA" sz="1000" dirty="0">
+              <a:solidFill>
+                <a:schemeClr val="tx1"/>
+              </a:solidFill>
+            </a:endParaRPr>
+          </a:p>
+        </p:txBody>
+      </p:sp>
+    </p:spTree>
+    <p:extLst>
+      <p:ext uri="{BB962C8B-B14F-4D97-AF65-F5344CB8AC3E}">
+        <p14:creationId xmlns:p14="http://schemas.microsoft.com/office/powerpoint/2010/main" val="148638727"/>
+      </p:ext>
+    </p:extLst>
+  </p:cSld>
+  <p:clrMapOvr>
+    <a:masterClrMapping/>
+  </p:clrMapOvr>
+</p:sld>
+</file>
+
+<file path=ppt/slides/slide6.xml><?xml version="1.0" encoding="utf-8"?>
+<p:sld xmlns:a="http://schemas.openxmlformats.org/drawingml/2006/main" xmlns:r="http://schemas.openxmlformats.org/officeDocument/2006/relationships" xmlns:p="http://schemas.openxmlformats.org/presentationml/2006/main">
+  <p:cSld>
+    <p:spTree>
+      <p:nvGrpSpPr>
+        <p:cNvPr id="1" name=""/>
+        <p:cNvGrpSpPr/>
+        <p:nvPr/>
+      </p:nvGrpSpPr>
+      <p:grpSpPr>
+        <a:xfrm>
+          <a:off x="0" y="0"/>
+          <a:ext cx="0" cy="0"/>
+          <a:chOff x="0" y="0"/>
+          <a:chExt cx="0" cy="0"/>
+        </a:xfrm>
+      </p:grpSpPr>
+      <p:sp>
+        <p:nvSpPr>
+          <p:cNvPr id="4" name="Rectangle 3">
+            <a:extLst>
+              <a:ext uri="{FF2B5EF4-FFF2-40B4-BE49-F238E27FC236}">
+                <a16:creationId xmlns:a16="http://schemas.microsoft.com/office/drawing/2014/main" id="{1B535268-7A10-480B-ACCB-C82412903CBD}"/>
+              </a:ext>
+            </a:extLst>
+          </p:cNvPr>
+          <p:cNvSpPr/>
+          <p:nvPr/>
+        </p:nvSpPr>
+        <p:spPr>
+          <a:xfrm>
+            <a:off x="5019675" y="301534"/>
+            <a:ext cx="1510665" cy="548640"/>
+          </a:xfrm>
+          <a:prstGeom prst="rect">
+            <a:avLst/>
+          </a:prstGeom>
+          <a:solidFill>
+            <a:schemeClr val="accent5">
+              <a:lumMod val="20000"/>
+              <a:lumOff val="80000"/>
+            </a:schemeClr>
+          </a:solidFill>
+          <a:ln w="12700">
+            <a:solidFill>
+              <a:schemeClr val="accent5">
+                <a:lumMod val="75000"/>
+              </a:schemeClr>
+            </a:solidFill>
+          </a:ln>
+        </p:spPr>
+        <p:style>
+          <a:lnRef idx="2">
+            <a:schemeClr val="accent1">
+              <a:shade val="50000"/>
+            </a:schemeClr>
+          </a:lnRef>
+          <a:fillRef idx="1">
+            <a:schemeClr val="accent1"/>
+          </a:fillRef>
+          <a:effectRef idx="0">
+            <a:schemeClr val="accent1"/>
+          </a:effectRef>
+          <a:fontRef idx="minor">
+            <a:schemeClr val="lt1"/>
+          </a:fontRef>
+        </p:style>
+        <p:txBody>
+          <a:bodyPr rtlCol="0" anchor="ctr"/>
+          <a:lstStyle/>
+          <a:p>
+            <a:pPr algn="ctr"/>
+            <a:r>
+              <a:rPr lang="en-CA" dirty="0">
+                <a:solidFill>
+                  <a:schemeClr val="accent5">
+                    <a:lumMod val="75000"/>
+                  </a:schemeClr>
+                </a:solidFill>
+              </a:rPr>
+              <a:t>Statement</a:t>
+            </a:r>
+          </a:p>
+        </p:txBody>
+      </p:sp>
+      <p:cxnSp>
+        <p:nvCxnSpPr>
+          <p:cNvPr id="7" name="Straight Arrow Connector 6">
+            <a:extLst>
+              <a:ext uri="{FF2B5EF4-FFF2-40B4-BE49-F238E27FC236}">
+                <a16:creationId xmlns:a16="http://schemas.microsoft.com/office/drawing/2014/main" id="{4BD20E86-2B20-4865-9809-82B1EE1D29C6}"/>
+              </a:ext>
+            </a:extLst>
+          </p:cNvPr>
+          <p:cNvCxnSpPr>
+            <a:cxnSpLocks/>
+            <a:stCxn id="4" idx="2"/>
+            <a:endCxn id="3" idx="0"/>
+          </p:cNvCxnSpPr>
+          <p:nvPr/>
+        </p:nvCxnSpPr>
+        <p:spPr>
+          <a:xfrm flipH="1">
+            <a:off x="5775006" y="850174"/>
+            <a:ext cx="2" cy="1157152"/>
+          </a:xfrm>
+          <a:prstGeom prst="straightConnector1">
+            <a:avLst/>
+          </a:prstGeom>
+          <a:ln w="44450">
+            <a:solidFill>
+              <a:schemeClr val="accent5">
+                <a:lumMod val="75000"/>
+              </a:schemeClr>
+            </a:solidFill>
+            <a:tailEnd type="triangle"/>
+          </a:ln>
+        </p:spPr>
+        <p:style>
+          <a:lnRef idx="1">
+            <a:schemeClr val="accent1"/>
+          </a:lnRef>
+          <a:fillRef idx="0">
+            <a:schemeClr val="accent1"/>
+          </a:fillRef>
+          <a:effectRef idx="0">
+            <a:schemeClr val="accent1"/>
+          </a:effectRef>
+          <a:fontRef idx="minor">
+            <a:schemeClr val="tx1"/>
+          </a:fontRef>
+        </p:style>
+      </p:cxnSp>
+      <p:sp>
+        <p:nvSpPr>
+          <p:cNvPr id="11" name="Rectangle 10">
+            <a:extLst>
+              <a:ext uri="{FF2B5EF4-FFF2-40B4-BE49-F238E27FC236}">
+                <a16:creationId xmlns:a16="http://schemas.microsoft.com/office/drawing/2014/main" id="{09A6DFE9-E67E-4454-84B4-A68044F1DBD2}"/>
+              </a:ext>
+            </a:extLst>
+          </p:cNvPr>
+          <p:cNvSpPr/>
+          <p:nvPr/>
+        </p:nvSpPr>
+        <p:spPr>
+          <a:xfrm>
+            <a:off x="5019675" y="4394291"/>
+            <a:ext cx="1510665" cy="548640"/>
+          </a:xfrm>
+          <a:prstGeom prst="rect">
+            <a:avLst/>
+          </a:prstGeom>
+          <a:solidFill>
+            <a:schemeClr val="accent5">
+              <a:lumMod val="20000"/>
+              <a:lumOff val="80000"/>
+            </a:schemeClr>
+          </a:solidFill>
+          <a:ln w="12700">
+            <a:solidFill>
+              <a:schemeClr val="accent5">
+                <a:lumMod val="75000"/>
+              </a:schemeClr>
+            </a:solidFill>
+          </a:ln>
+        </p:spPr>
+        <p:style>
+          <a:lnRef idx="2">
+            <a:schemeClr val="accent1">
+              <a:shade val="50000"/>
+            </a:schemeClr>
+          </a:lnRef>
+          <a:fillRef idx="1">
+            <a:schemeClr val="accent1"/>
+          </a:fillRef>
+          <a:effectRef idx="0">
+            <a:schemeClr val="accent1"/>
+          </a:effectRef>
+          <a:fontRef idx="minor">
+            <a:schemeClr val="lt1"/>
+          </a:fontRef>
+        </p:style>
+        <p:txBody>
+          <a:bodyPr rtlCol="0" anchor="ctr"/>
+          <a:lstStyle/>
+          <a:p>
+            <a:pPr algn="ctr"/>
+            <a:r>
+              <a:rPr lang="en-CA" dirty="0">
+                <a:solidFill>
+                  <a:schemeClr val="accent5">
+                    <a:lumMod val="75000"/>
+                  </a:schemeClr>
+                </a:solidFill>
+              </a:rPr>
+              <a:t>Statement</a:t>
+            </a:r>
+          </a:p>
+        </p:txBody>
+      </p:sp>
       <p:cxnSp>
         <p:nvCxnSpPr>
           <p:cNvPr id="12" name="Straight Arrow Connector 11">
@@ -5142,7 +8411,7 @@
 </p:sld>
 </file>
 
-<file path=ppt/slides/slide4.xml><?xml version="1.0" encoding="utf-8"?>
+<file path=ppt/slides/slide7.xml><?xml version="1.0" encoding="utf-8"?>
 <p:sld xmlns:a="http://schemas.openxmlformats.org/drawingml/2006/main" xmlns:r="http://schemas.openxmlformats.org/officeDocument/2006/relationships" xmlns:p="http://schemas.openxmlformats.org/presentationml/2006/main">
   <p:cSld>
     <p:spTree>
@@ -5172,7 +8441,7 @@
 </p:sld>
 </file>
 
-<file path=ppt/slides/slide5.xml><?xml version="1.0" encoding="utf-8"?>
+<file path=ppt/slides/slide8.xml><?xml version="1.0" encoding="utf-8"?>
 <p:sld xmlns:a="http://schemas.openxmlformats.org/drawingml/2006/main" xmlns:r="http://schemas.openxmlformats.org/officeDocument/2006/relationships" xmlns:p="http://schemas.openxmlformats.org/presentationml/2006/main">
   <p:cSld>
     <p:spTree>
@@ -5202,7 +8471,7 @@
 </p:sld>
 </file>
 
-<file path=ppt/slides/slide6.xml><?xml version="1.0" encoding="utf-8"?>
+<file path=ppt/slides/slide9.xml><?xml version="1.0" encoding="utf-8"?>
 <p:sld xmlns:a="http://schemas.openxmlformats.org/drawingml/2006/main" xmlns:r="http://schemas.openxmlformats.org/officeDocument/2006/relationships" xmlns:p="http://schemas.openxmlformats.org/presentationml/2006/main">
   <p:cSld>
     <p:spTree>
@@ -5223,36 +8492,6 @@
     <p:extLst>
       <p:ext uri="{BB962C8B-B14F-4D97-AF65-F5344CB8AC3E}">
         <p14:creationId xmlns:p14="http://schemas.microsoft.com/office/powerpoint/2010/main" val="3499110310"/>
-      </p:ext>
-    </p:extLst>
-  </p:cSld>
-  <p:clrMapOvr>
-    <a:masterClrMapping/>
-  </p:clrMapOvr>
-</p:sld>
-</file>
-
-<file path=ppt/slides/slide7.xml><?xml version="1.0" encoding="utf-8"?>
-<p:sld xmlns:a="http://schemas.openxmlformats.org/drawingml/2006/main" xmlns:r="http://schemas.openxmlformats.org/officeDocument/2006/relationships" xmlns:p="http://schemas.openxmlformats.org/presentationml/2006/main">
-  <p:cSld>
-    <p:spTree>
-      <p:nvGrpSpPr>
-        <p:cNvPr id="1" name=""/>
-        <p:cNvGrpSpPr/>
-        <p:nvPr/>
-      </p:nvGrpSpPr>
-      <p:grpSpPr>
-        <a:xfrm>
-          <a:off x="0" y="0"/>
-          <a:ext cx="0" cy="0"/>
-          <a:chOff x="0" y="0"/>
-          <a:chExt cx="0" cy="0"/>
-        </a:xfrm>
-      </p:grpSpPr>
-    </p:spTree>
-    <p:extLst>
-      <p:ext uri="{BB962C8B-B14F-4D97-AF65-F5344CB8AC3E}">
-        <p14:creationId xmlns:p14="http://schemas.microsoft.com/office/powerpoint/2010/main" val="836386759"/>
       </p:ext>
     </p:extLst>
   </p:cSld>

--- a/week7/diagrams.pptx
+++ b/week7/diagrams.pptx
@@ -270,7 +270,7 @@
           <a:p>
             <a:fld id="{D8816DAC-6E03-45C8-A631-ADB6AF77B1FA}" type="datetimeFigureOut">
               <a:rPr lang="en-CA" smtClean="0"/>
-              <a:t>2021-02-15</a:t>
+              <a:t>2021-02-19</a:t>
             </a:fld>
             <a:endParaRPr lang="en-CA"/>
           </a:p>
@@ -470,7 +470,7 @@
           <a:p>
             <a:fld id="{D8816DAC-6E03-45C8-A631-ADB6AF77B1FA}" type="datetimeFigureOut">
               <a:rPr lang="en-CA" smtClean="0"/>
-              <a:t>2021-02-15</a:t>
+              <a:t>2021-02-19</a:t>
             </a:fld>
             <a:endParaRPr lang="en-CA"/>
           </a:p>
@@ -680,7 +680,7 @@
           <a:p>
             <a:fld id="{D8816DAC-6E03-45C8-A631-ADB6AF77B1FA}" type="datetimeFigureOut">
               <a:rPr lang="en-CA" smtClean="0"/>
-              <a:t>2021-02-15</a:t>
+              <a:t>2021-02-19</a:t>
             </a:fld>
             <a:endParaRPr lang="en-CA"/>
           </a:p>
@@ -880,7 +880,7 @@
           <a:p>
             <a:fld id="{D8816DAC-6E03-45C8-A631-ADB6AF77B1FA}" type="datetimeFigureOut">
               <a:rPr lang="en-CA" smtClean="0"/>
-              <a:t>2021-02-15</a:t>
+              <a:t>2021-02-19</a:t>
             </a:fld>
             <a:endParaRPr lang="en-CA"/>
           </a:p>
@@ -1156,7 +1156,7 @@
           <a:p>
             <a:fld id="{D8816DAC-6E03-45C8-A631-ADB6AF77B1FA}" type="datetimeFigureOut">
               <a:rPr lang="en-CA" smtClean="0"/>
-              <a:t>2021-02-15</a:t>
+              <a:t>2021-02-19</a:t>
             </a:fld>
             <a:endParaRPr lang="en-CA"/>
           </a:p>
@@ -1424,7 +1424,7 @@
           <a:p>
             <a:fld id="{D8816DAC-6E03-45C8-A631-ADB6AF77B1FA}" type="datetimeFigureOut">
               <a:rPr lang="en-CA" smtClean="0"/>
-              <a:t>2021-02-15</a:t>
+              <a:t>2021-02-19</a:t>
             </a:fld>
             <a:endParaRPr lang="en-CA"/>
           </a:p>
@@ -1839,7 +1839,7 @@
           <a:p>
             <a:fld id="{D8816DAC-6E03-45C8-A631-ADB6AF77B1FA}" type="datetimeFigureOut">
               <a:rPr lang="en-CA" smtClean="0"/>
-              <a:t>2021-02-15</a:t>
+              <a:t>2021-02-19</a:t>
             </a:fld>
             <a:endParaRPr lang="en-CA"/>
           </a:p>
@@ -1981,7 +1981,7 @@
           <a:p>
             <a:fld id="{D8816DAC-6E03-45C8-A631-ADB6AF77B1FA}" type="datetimeFigureOut">
               <a:rPr lang="en-CA" smtClean="0"/>
-              <a:t>2021-02-15</a:t>
+              <a:t>2021-02-19</a:t>
             </a:fld>
             <a:endParaRPr lang="en-CA"/>
           </a:p>
@@ -2094,7 +2094,7 @@
           <a:p>
             <a:fld id="{D8816DAC-6E03-45C8-A631-ADB6AF77B1FA}" type="datetimeFigureOut">
               <a:rPr lang="en-CA" smtClean="0"/>
-              <a:t>2021-02-15</a:t>
+              <a:t>2021-02-19</a:t>
             </a:fld>
             <a:endParaRPr lang="en-CA"/>
           </a:p>
@@ -2407,7 +2407,7 @@
           <a:p>
             <a:fld id="{D8816DAC-6E03-45C8-A631-ADB6AF77B1FA}" type="datetimeFigureOut">
               <a:rPr lang="en-CA" smtClean="0"/>
-              <a:t>2021-02-15</a:t>
+              <a:t>2021-02-19</a:t>
             </a:fld>
             <a:endParaRPr lang="en-CA"/>
           </a:p>
@@ -2696,7 +2696,7 @@
           <a:p>
             <a:fld id="{D8816DAC-6E03-45C8-A631-ADB6AF77B1FA}" type="datetimeFigureOut">
               <a:rPr lang="en-CA" smtClean="0"/>
-              <a:t>2021-02-15</a:t>
+              <a:t>2021-02-19</a:t>
             </a:fld>
             <a:endParaRPr lang="en-CA"/>
           </a:p>
@@ -2939,7 +2939,7 @@
           <a:p>
             <a:fld id="{D8816DAC-6E03-45C8-A631-ADB6AF77B1FA}" type="datetimeFigureOut">
               <a:rPr lang="en-CA" smtClean="0"/>
-              <a:t>2021-02-15</a:t>
+              <a:t>2021-02-19</a:t>
             </a:fld>
             <a:endParaRPr lang="en-CA"/>
           </a:p>
@@ -8428,6 +8428,297 @@
           <a:chExt cx="0" cy="0"/>
         </a:xfrm>
       </p:grpSpPr>
+      <p:sp>
+        <p:nvSpPr>
+          <p:cNvPr id="2" name="Rectangle 1">
+            <a:extLst>
+              <a:ext uri="{FF2B5EF4-FFF2-40B4-BE49-F238E27FC236}">
+                <a16:creationId xmlns:a16="http://schemas.microsoft.com/office/drawing/2014/main" id="{CF4CB27B-F517-4834-AE3E-5D161E6F9848}"/>
+              </a:ext>
+            </a:extLst>
+          </p:cNvPr>
+          <p:cNvSpPr/>
+          <p:nvPr/>
+        </p:nvSpPr>
+        <p:spPr>
+          <a:xfrm>
+            <a:off x="2836273" y="3066198"/>
+            <a:ext cx="1935752" cy="2156187"/>
+          </a:xfrm>
+          <a:prstGeom prst="rect">
+            <a:avLst/>
+          </a:prstGeom>
+          <a:solidFill>
+            <a:schemeClr val="bg1">
+              <a:lumMod val="85000"/>
+            </a:schemeClr>
+          </a:solidFill>
+          <a:ln w="12700">
+            <a:solidFill>
+              <a:schemeClr val="accent5">
+                <a:lumMod val="75000"/>
+              </a:schemeClr>
+            </a:solidFill>
+          </a:ln>
+        </p:spPr>
+        <p:style>
+          <a:lnRef idx="2">
+            <a:schemeClr val="accent1">
+              <a:shade val="50000"/>
+            </a:schemeClr>
+          </a:lnRef>
+          <a:fillRef idx="1">
+            <a:schemeClr val="accent1"/>
+          </a:fillRef>
+          <a:effectRef idx="0">
+            <a:schemeClr val="accent1"/>
+          </a:effectRef>
+          <a:fontRef idx="minor">
+            <a:schemeClr val="lt1"/>
+          </a:fontRef>
+        </p:style>
+        <p:txBody>
+          <a:bodyPr rtlCol="0" anchor="ctr"/>
+          <a:lstStyle/>
+          <a:p>
+            <a:pPr algn="ctr"/>
+            <a:r>
+              <a:rPr lang="en-CA" sz="2000" dirty="0">
+                <a:solidFill>
+                  <a:schemeClr val="accent5">
+                    <a:lumMod val="75000"/>
+                  </a:schemeClr>
+                </a:solidFill>
+              </a:rPr>
+              <a:t>File with </a:t>
+            </a:r>
+            <a:r>
+              <a:rPr lang="en-CA" sz="2000" b="1" dirty="0">
+                <a:solidFill>
+                  <a:schemeClr val="accent5">
+                    <a:lumMod val="75000"/>
+                  </a:schemeClr>
+                </a:solidFill>
+              </a:rPr>
+              <a:t>functions</a:t>
+            </a:r>
+            <a:r>
+              <a:rPr lang="en-CA" sz="2000" dirty="0">
+                <a:solidFill>
+                  <a:schemeClr val="accent5">
+                    <a:lumMod val="75000"/>
+                  </a:schemeClr>
+                </a:solidFill>
+              </a:rPr>
+              <a:t> </a:t>
+            </a:r>
+          </a:p>
+          <a:p>
+            <a:pPr algn="ctr"/>
+            <a:r>
+              <a:rPr lang="en-CA" sz="2000" dirty="0">
+                <a:solidFill>
+                  <a:schemeClr val="accent5">
+                    <a:lumMod val="75000"/>
+                  </a:schemeClr>
+                </a:solidFill>
+              </a:rPr>
+              <a:t>named</a:t>
+            </a:r>
+          </a:p>
+          <a:p>
+            <a:pPr algn="ctr"/>
+            <a:r>
+              <a:rPr lang="en-CA" sz="2000" dirty="0">
+                <a:solidFill>
+                  <a:schemeClr val="accent5">
+                    <a:lumMod val="75000"/>
+                  </a:schemeClr>
+                </a:solidFill>
+              </a:rPr>
+              <a:t>“</a:t>
+            </a:r>
+            <a:r>
+              <a:rPr lang="en-CA" sz="2000" dirty="0" err="1">
+                <a:solidFill>
+                  <a:schemeClr val="accent5">
+                    <a:lumMod val="75000"/>
+                  </a:schemeClr>
+                </a:solidFill>
+              </a:rPr>
+              <a:t>myfunctions.r</a:t>
+            </a:r>
+            <a:r>
+              <a:rPr lang="en-CA" sz="2000" dirty="0">
+                <a:solidFill>
+                  <a:schemeClr val="accent5">
+                    <a:lumMod val="75000"/>
+                  </a:schemeClr>
+                </a:solidFill>
+              </a:rPr>
+              <a:t>”</a:t>
+            </a:r>
+          </a:p>
+        </p:txBody>
+      </p:sp>
+      <p:sp>
+        <p:nvSpPr>
+          <p:cNvPr id="3" name="Rectangle 2">
+            <a:extLst>
+              <a:ext uri="{FF2B5EF4-FFF2-40B4-BE49-F238E27FC236}">
+                <a16:creationId xmlns:a16="http://schemas.microsoft.com/office/drawing/2014/main" id="{74A3142B-1BB9-4CA5-9E03-DA42B44ADE7D}"/>
+              </a:ext>
+            </a:extLst>
+          </p:cNvPr>
+          <p:cNvSpPr/>
+          <p:nvPr/>
+        </p:nvSpPr>
+        <p:spPr>
+          <a:xfrm>
+            <a:off x="6975976" y="3066198"/>
+            <a:ext cx="2379751" cy="2156187"/>
+          </a:xfrm>
+          <a:prstGeom prst="rect">
+            <a:avLst/>
+          </a:prstGeom>
+          <a:solidFill>
+            <a:schemeClr val="bg1">
+              <a:lumMod val="85000"/>
+            </a:schemeClr>
+          </a:solidFill>
+          <a:ln w="12700">
+            <a:solidFill>
+              <a:schemeClr val="accent5">
+                <a:lumMod val="75000"/>
+              </a:schemeClr>
+            </a:solidFill>
+          </a:ln>
+        </p:spPr>
+        <p:style>
+          <a:lnRef idx="2">
+            <a:schemeClr val="accent1">
+              <a:shade val="50000"/>
+            </a:schemeClr>
+          </a:lnRef>
+          <a:fillRef idx="1">
+            <a:schemeClr val="accent1"/>
+          </a:fillRef>
+          <a:effectRef idx="0">
+            <a:schemeClr val="accent1"/>
+          </a:effectRef>
+          <a:fontRef idx="minor">
+            <a:schemeClr val="lt1"/>
+          </a:fontRef>
+        </p:style>
+        <p:txBody>
+          <a:bodyPr rtlCol="0" anchor="ctr"/>
+          <a:lstStyle/>
+          <a:p>
+            <a:pPr algn="ctr"/>
+            <a:r>
+              <a:rPr lang="en-CA" sz="2000" dirty="0">
+                <a:solidFill>
+                  <a:schemeClr val="accent5">
+                    <a:lumMod val="75000"/>
+                  </a:schemeClr>
+                </a:solidFill>
+              </a:rPr>
+              <a:t>R script file</a:t>
+            </a:r>
+          </a:p>
+        </p:txBody>
+      </p:sp>
+      <p:cxnSp>
+        <p:nvCxnSpPr>
+          <p:cNvPr id="4" name="Straight Arrow Connector 3">
+            <a:extLst>
+              <a:ext uri="{FF2B5EF4-FFF2-40B4-BE49-F238E27FC236}">
+                <a16:creationId xmlns:a16="http://schemas.microsoft.com/office/drawing/2014/main" id="{3720C362-53BE-4114-AE99-C166015DF2D6}"/>
+              </a:ext>
+            </a:extLst>
+          </p:cNvPr>
+          <p:cNvCxnSpPr>
+            <a:cxnSpLocks/>
+            <a:stCxn id="2" idx="3"/>
+            <a:endCxn id="3" idx="1"/>
+          </p:cNvCxnSpPr>
+          <p:nvPr/>
+        </p:nvCxnSpPr>
+        <p:spPr>
+          <a:xfrm>
+            <a:off x="4772025" y="4144292"/>
+            <a:ext cx="2203951" cy="0"/>
+          </a:xfrm>
+          <a:prstGeom prst="straightConnector1">
+            <a:avLst/>
+          </a:prstGeom>
+          <a:ln w="25400">
+            <a:solidFill>
+              <a:schemeClr val="accent5">
+                <a:lumMod val="75000"/>
+              </a:schemeClr>
+            </a:solidFill>
+            <a:tailEnd type="triangle"/>
+          </a:ln>
+        </p:spPr>
+        <p:style>
+          <a:lnRef idx="1">
+            <a:schemeClr val="accent1"/>
+          </a:lnRef>
+          <a:fillRef idx="0">
+            <a:schemeClr val="accent1"/>
+          </a:fillRef>
+          <a:effectRef idx="0">
+            <a:schemeClr val="accent1"/>
+          </a:effectRef>
+          <a:fontRef idx="minor">
+            <a:schemeClr val="tx1"/>
+          </a:fontRef>
+        </p:style>
+      </p:cxnSp>
+      <p:sp>
+        <p:nvSpPr>
+          <p:cNvPr id="9" name="TextBox 8">
+            <a:extLst>
+              <a:ext uri="{FF2B5EF4-FFF2-40B4-BE49-F238E27FC236}">
+                <a16:creationId xmlns:a16="http://schemas.microsoft.com/office/drawing/2014/main" id="{EB5FA7E2-A538-4871-B364-AC0604508E10}"/>
+              </a:ext>
+            </a:extLst>
+          </p:cNvPr>
+          <p:cNvSpPr txBox="1"/>
+          <p:nvPr/>
+        </p:nvSpPr>
+        <p:spPr>
+          <a:xfrm>
+            <a:off x="6930808" y="3066198"/>
+            <a:ext cx="2470085" cy="369332"/>
+          </a:xfrm>
+          <a:prstGeom prst="rect">
+            <a:avLst/>
+          </a:prstGeom>
+          <a:noFill/>
+        </p:spPr>
+        <p:txBody>
+          <a:bodyPr wrap="square" rtlCol="0">
+            <a:spAutoFit/>
+          </a:bodyPr>
+          <a:lstStyle/>
+          <a:p>
+            <a:r>
+              <a:rPr lang="en-CA" dirty="0"/>
+              <a:t>source(“</a:t>
+            </a:r>
+            <a:r>
+              <a:rPr lang="en-CA" dirty="0" err="1"/>
+              <a:t>myfunctions.r</a:t>
+            </a:r>
+            <a:r>
+              <a:rPr lang="en-CA" dirty="0"/>
+              <a:t>”)</a:t>
+            </a:r>
+          </a:p>
+        </p:txBody>
+      </p:sp>
     </p:spTree>
     <p:extLst>
       <p:ext uri="{BB962C8B-B14F-4D97-AF65-F5344CB8AC3E}">

--- a/week7/diagrams.pptx
+++ b/week7/diagrams.pptx
@@ -270,7 +270,7 @@
           <a:p>
             <a:fld id="{D8816DAC-6E03-45C8-A631-ADB6AF77B1FA}" type="datetimeFigureOut">
               <a:rPr lang="en-CA" smtClean="0"/>
-              <a:t>2021-02-19</a:t>
+              <a:t>2021-02-20</a:t>
             </a:fld>
             <a:endParaRPr lang="en-CA"/>
           </a:p>
@@ -470,7 +470,7 @@
           <a:p>
             <a:fld id="{D8816DAC-6E03-45C8-A631-ADB6AF77B1FA}" type="datetimeFigureOut">
               <a:rPr lang="en-CA" smtClean="0"/>
-              <a:t>2021-02-19</a:t>
+              <a:t>2021-02-20</a:t>
             </a:fld>
             <a:endParaRPr lang="en-CA"/>
           </a:p>
@@ -680,7 +680,7 @@
           <a:p>
             <a:fld id="{D8816DAC-6E03-45C8-A631-ADB6AF77B1FA}" type="datetimeFigureOut">
               <a:rPr lang="en-CA" smtClean="0"/>
-              <a:t>2021-02-19</a:t>
+              <a:t>2021-02-20</a:t>
             </a:fld>
             <a:endParaRPr lang="en-CA"/>
           </a:p>
@@ -880,7 +880,7 @@
           <a:p>
             <a:fld id="{D8816DAC-6E03-45C8-A631-ADB6AF77B1FA}" type="datetimeFigureOut">
               <a:rPr lang="en-CA" smtClean="0"/>
-              <a:t>2021-02-19</a:t>
+              <a:t>2021-02-20</a:t>
             </a:fld>
             <a:endParaRPr lang="en-CA"/>
           </a:p>
@@ -1156,7 +1156,7 @@
           <a:p>
             <a:fld id="{D8816DAC-6E03-45C8-A631-ADB6AF77B1FA}" type="datetimeFigureOut">
               <a:rPr lang="en-CA" smtClean="0"/>
-              <a:t>2021-02-19</a:t>
+              <a:t>2021-02-20</a:t>
             </a:fld>
             <a:endParaRPr lang="en-CA"/>
           </a:p>
@@ -1424,7 +1424,7 @@
           <a:p>
             <a:fld id="{D8816DAC-6E03-45C8-A631-ADB6AF77B1FA}" type="datetimeFigureOut">
               <a:rPr lang="en-CA" smtClean="0"/>
-              <a:t>2021-02-19</a:t>
+              <a:t>2021-02-20</a:t>
             </a:fld>
             <a:endParaRPr lang="en-CA"/>
           </a:p>
@@ -1839,7 +1839,7 @@
           <a:p>
             <a:fld id="{D8816DAC-6E03-45C8-A631-ADB6AF77B1FA}" type="datetimeFigureOut">
               <a:rPr lang="en-CA" smtClean="0"/>
-              <a:t>2021-02-19</a:t>
+              <a:t>2021-02-20</a:t>
             </a:fld>
             <a:endParaRPr lang="en-CA"/>
           </a:p>
@@ -1981,7 +1981,7 @@
           <a:p>
             <a:fld id="{D8816DAC-6E03-45C8-A631-ADB6AF77B1FA}" type="datetimeFigureOut">
               <a:rPr lang="en-CA" smtClean="0"/>
-              <a:t>2021-02-19</a:t>
+              <a:t>2021-02-20</a:t>
             </a:fld>
             <a:endParaRPr lang="en-CA"/>
           </a:p>
@@ -2094,7 +2094,7 @@
           <a:p>
             <a:fld id="{D8816DAC-6E03-45C8-A631-ADB6AF77B1FA}" type="datetimeFigureOut">
               <a:rPr lang="en-CA" smtClean="0"/>
-              <a:t>2021-02-19</a:t>
+              <a:t>2021-02-20</a:t>
             </a:fld>
             <a:endParaRPr lang="en-CA"/>
           </a:p>
@@ -2407,7 +2407,7 @@
           <a:p>
             <a:fld id="{D8816DAC-6E03-45C8-A631-ADB6AF77B1FA}" type="datetimeFigureOut">
               <a:rPr lang="en-CA" smtClean="0"/>
-              <a:t>2021-02-19</a:t>
+              <a:t>2021-02-20</a:t>
             </a:fld>
             <a:endParaRPr lang="en-CA"/>
           </a:p>
@@ -2696,7 +2696,7 @@
           <a:p>
             <a:fld id="{D8816DAC-6E03-45C8-A631-ADB6AF77B1FA}" type="datetimeFigureOut">
               <a:rPr lang="en-CA" smtClean="0"/>
-              <a:t>2021-02-19</a:t>
+              <a:t>2021-02-20</a:t>
             </a:fld>
             <a:endParaRPr lang="en-CA"/>
           </a:p>
@@ -2939,7 +2939,7 @@
           <a:p>
             <a:fld id="{D8816DAC-6E03-45C8-A631-ADB6AF77B1FA}" type="datetimeFigureOut">
               <a:rPr lang="en-CA" smtClean="0"/>
-              <a:t>2021-02-19</a:t>
+              <a:t>2021-02-20</a:t>
             </a:fld>
             <a:endParaRPr lang="en-CA"/>
           </a:p>
@@ -8749,6 +8749,1167 @@
           <a:chExt cx="0" cy="0"/>
         </a:xfrm>
       </p:grpSpPr>
+      <p:sp>
+        <p:nvSpPr>
+          <p:cNvPr id="2" name="Rectangle 1">
+            <a:extLst>
+              <a:ext uri="{FF2B5EF4-FFF2-40B4-BE49-F238E27FC236}">
+                <a16:creationId xmlns:a16="http://schemas.microsoft.com/office/drawing/2014/main" id="{A1DDC9E7-8E32-477A-A12C-664AB2846776}"/>
+              </a:ext>
+            </a:extLst>
+          </p:cNvPr>
+          <p:cNvSpPr/>
+          <p:nvPr/>
+        </p:nvSpPr>
+        <p:spPr>
+          <a:xfrm>
+            <a:off x="4440353" y="-5829"/>
+            <a:ext cx="1848487" cy="548722"/>
+          </a:xfrm>
+          <a:prstGeom prst="rect">
+            <a:avLst/>
+          </a:prstGeom>
+          <a:solidFill>
+            <a:schemeClr val="accent5">
+              <a:lumMod val="20000"/>
+              <a:lumOff val="80000"/>
+            </a:schemeClr>
+          </a:solidFill>
+          <a:ln w="12700">
+            <a:solidFill>
+              <a:schemeClr val="accent5">
+                <a:lumMod val="75000"/>
+              </a:schemeClr>
+            </a:solidFill>
+          </a:ln>
+        </p:spPr>
+        <p:style>
+          <a:lnRef idx="2">
+            <a:schemeClr val="accent1">
+              <a:shade val="50000"/>
+            </a:schemeClr>
+          </a:lnRef>
+          <a:fillRef idx="1">
+            <a:schemeClr val="accent1"/>
+          </a:fillRef>
+          <a:effectRef idx="0">
+            <a:schemeClr val="accent1"/>
+          </a:effectRef>
+          <a:fontRef idx="minor">
+            <a:schemeClr val="lt1"/>
+          </a:fontRef>
+        </p:style>
+        <p:txBody>
+          <a:bodyPr lIns="18000" tIns="18000" rIns="18000" bIns="18000" rtlCol="0" anchor="ctr"/>
+          <a:lstStyle/>
+          <a:p>
+            <a:pPr algn="ctr"/>
+            <a:r>
+              <a:rPr lang="en-CA" sz="1000" b="1" dirty="0">
+                <a:solidFill>
+                  <a:schemeClr val="accent5">
+                    <a:lumMod val="75000"/>
+                  </a:schemeClr>
+                </a:solidFill>
+              </a:rPr>
+              <a:t>User-settings</a:t>
+            </a:r>
+            <a:r>
+              <a:rPr lang="en-CA" sz="1000" dirty="0">
+                <a:solidFill>
+                  <a:schemeClr val="accent5">
+                    <a:lumMod val="75000"/>
+                  </a:schemeClr>
+                </a:solidFill>
+              </a:rPr>
+              <a:t> </a:t>
+            </a:r>
+          </a:p>
+          <a:p>
+            <a:pPr algn="ctr"/>
+            <a:r>
+              <a:rPr lang="en-CA" sz="1000" dirty="0">
+                <a:solidFill>
+                  <a:schemeClr val="accent5">
+                    <a:lumMod val="75000"/>
+                  </a:schemeClr>
+                </a:solidFill>
+              </a:rPr>
+              <a:t>(i.e. setup model parameters, framework  and initial conditions)</a:t>
+            </a:r>
+          </a:p>
+        </p:txBody>
+      </p:sp>
+      <p:sp>
+        <p:nvSpPr>
+          <p:cNvPr id="3" name="Rectangle 2">
+            <a:extLst>
+              <a:ext uri="{FF2B5EF4-FFF2-40B4-BE49-F238E27FC236}">
+                <a16:creationId xmlns:a16="http://schemas.microsoft.com/office/drawing/2014/main" id="{F13BEE32-0E33-4B46-9E32-0A201E74888A}"/>
+              </a:ext>
+            </a:extLst>
+          </p:cNvPr>
+          <p:cNvSpPr/>
+          <p:nvPr/>
+        </p:nvSpPr>
+        <p:spPr>
+          <a:xfrm>
+            <a:off x="4440352" y="891262"/>
+            <a:ext cx="1848487" cy="605259"/>
+          </a:xfrm>
+          <a:prstGeom prst="rect">
+            <a:avLst/>
+          </a:prstGeom>
+          <a:solidFill>
+            <a:schemeClr val="accent5">
+              <a:lumMod val="20000"/>
+              <a:lumOff val="80000"/>
+            </a:schemeClr>
+          </a:solidFill>
+          <a:ln w="12700">
+            <a:solidFill>
+              <a:schemeClr val="accent5">
+                <a:lumMod val="75000"/>
+              </a:schemeClr>
+            </a:solidFill>
+          </a:ln>
+        </p:spPr>
+        <p:style>
+          <a:lnRef idx="2">
+            <a:schemeClr val="accent1">
+              <a:shade val="50000"/>
+            </a:schemeClr>
+          </a:lnRef>
+          <a:fillRef idx="1">
+            <a:schemeClr val="accent1"/>
+          </a:fillRef>
+          <a:effectRef idx="0">
+            <a:schemeClr val="accent1"/>
+          </a:effectRef>
+          <a:fontRef idx="minor">
+            <a:schemeClr val="lt1"/>
+          </a:fontRef>
+        </p:style>
+        <p:txBody>
+          <a:bodyPr lIns="18000" tIns="18000" rIns="18000" bIns="18000" rtlCol="0" anchor="ctr"/>
+          <a:lstStyle/>
+          <a:p>
+            <a:pPr algn="ctr"/>
+            <a:r>
+              <a:rPr lang="en-CA" sz="1000" b="1" dirty="0">
+                <a:solidFill>
+                  <a:schemeClr val="accent5">
+                    <a:lumMod val="75000"/>
+                  </a:schemeClr>
+                </a:solidFill>
+              </a:rPr>
+              <a:t>Chores</a:t>
+            </a:r>
+          </a:p>
+          <a:p>
+            <a:pPr algn="ctr"/>
+            <a:r>
+              <a:rPr lang="en-CA" sz="1000" dirty="0">
+                <a:solidFill>
+                  <a:schemeClr val="accent5">
+                    <a:lumMod val="75000"/>
+                  </a:schemeClr>
+                </a:solidFill>
+              </a:rPr>
+              <a:t>(i.e. </a:t>
+            </a:r>
+            <a:r>
+              <a:rPr lang="en-GB" sz="1000" dirty="0">
+                <a:solidFill>
+                  <a:schemeClr val="accent5">
+                    <a:lumMod val="75000"/>
+                  </a:schemeClr>
+                </a:solidFill>
+              </a:rPr>
+              <a:t>calculate number of steps, create time vector, create zero vectors)</a:t>
+            </a:r>
+            <a:endParaRPr lang="en-CA" sz="1000" dirty="0">
+              <a:solidFill>
+                <a:schemeClr val="accent5">
+                  <a:lumMod val="75000"/>
+                </a:schemeClr>
+              </a:solidFill>
+            </a:endParaRPr>
+          </a:p>
+        </p:txBody>
+      </p:sp>
+      <p:sp>
+        <p:nvSpPr>
+          <p:cNvPr id="4" name="Rectangle 3">
+            <a:extLst>
+              <a:ext uri="{FF2B5EF4-FFF2-40B4-BE49-F238E27FC236}">
+                <a16:creationId xmlns:a16="http://schemas.microsoft.com/office/drawing/2014/main" id="{C88532F7-A9A3-4E78-AE30-BEB675E734AD}"/>
+              </a:ext>
+            </a:extLst>
+          </p:cNvPr>
+          <p:cNvSpPr/>
+          <p:nvPr/>
+        </p:nvSpPr>
+        <p:spPr>
+          <a:xfrm>
+            <a:off x="4440352" y="1871372"/>
+            <a:ext cx="1848487" cy="548722"/>
+          </a:xfrm>
+          <a:prstGeom prst="rect">
+            <a:avLst/>
+          </a:prstGeom>
+          <a:solidFill>
+            <a:schemeClr val="accent5">
+              <a:lumMod val="20000"/>
+              <a:lumOff val="80000"/>
+            </a:schemeClr>
+          </a:solidFill>
+          <a:ln w="12700">
+            <a:solidFill>
+              <a:schemeClr val="accent5">
+                <a:lumMod val="75000"/>
+              </a:schemeClr>
+            </a:solidFill>
+          </a:ln>
+        </p:spPr>
+        <p:style>
+          <a:lnRef idx="2">
+            <a:schemeClr val="accent1">
+              <a:shade val="50000"/>
+            </a:schemeClr>
+          </a:lnRef>
+          <a:fillRef idx="1">
+            <a:schemeClr val="accent1"/>
+          </a:fillRef>
+          <a:effectRef idx="0">
+            <a:schemeClr val="accent1"/>
+          </a:effectRef>
+          <a:fontRef idx="minor">
+            <a:schemeClr val="lt1"/>
+          </a:fontRef>
+        </p:style>
+        <p:txBody>
+          <a:bodyPr lIns="18000" tIns="18000" rIns="18000" bIns="18000" rtlCol="0" anchor="ctr"/>
+          <a:lstStyle/>
+          <a:p>
+            <a:pPr algn="ctr"/>
+            <a:r>
+              <a:rPr lang="en-CA" sz="1000" b="1" dirty="0">
+                <a:solidFill>
+                  <a:schemeClr val="accent5">
+                    <a:lumMod val="75000"/>
+                  </a:schemeClr>
+                </a:solidFill>
+              </a:rPr>
+              <a:t>Creating Sunlight</a:t>
+            </a:r>
+          </a:p>
+          <a:p>
+            <a:pPr algn="ctr"/>
+            <a:r>
+              <a:rPr lang="en-CA" sz="1000" dirty="0">
+                <a:solidFill>
+                  <a:schemeClr val="accent5">
+                    <a:lumMod val="75000"/>
+                  </a:schemeClr>
+                </a:solidFill>
+              </a:rPr>
+              <a:t>(i.e. </a:t>
+            </a:r>
+            <a:r>
+              <a:rPr lang="en-GB" sz="1000" dirty="0">
+                <a:solidFill>
+                  <a:schemeClr val="accent5">
+                    <a:lumMod val="75000"/>
+                  </a:schemeClr>
+                </a:solidFill>
+              </a:rPr>
+              <a:t>sub-model to estimate sunlight)</a:t>
+            </a:r>
+            <a:endParaRPr lang="en-CA" sz="1000" dirty="0">
+              <a:solidFill>
+                <a:schemeClr val="accent5">
+                  <a:lumMod val="75000"/>
+                </a:schemeClr>
+              </a:solidFill>
+            </a:endParaRPr>
+          </a:p>
+        </p:txBody>
+      </p:sp>
+      <p:sp>
+        <p:nvSpPr>
+          <p:cNvPr id="5" name="Rectangle 4">
+            <a:extLst>
+              <a:ext uri="{FF2B5EF4-FFF2-40B4-BE49-F238E27FC236}">
+                <a16:creationId xmlns:a16="http://schemas.microsoft.com/office/drawing/2014/main" id="{6ADD008A-D9B9-426E-9332-8E52643F4580}"/>
+              </a:ext>
+            </a:extLst>
+          </p:cNvPr>
+          <p:cNvSpPr/>
+          <p:nvPr/>
+        </p:nvSpPr>
+        <p:spPr>
+          <a:xfrm>
+            <a:off x="4440354" y="2779411"/>
+            <a:ext cx="1848487" cy="548722"/>
+          </a:xfrm>
+          <a:prstGeom prst="rect">
+            <a:avLst/>
+          </a:prstGeom>
+          <a:solidFill>
+            <a:schemeClr val="accent5">
+              <a:lumMod val="20000"/>
+              <a:lumOff val="80000"/>
+            </a:schemeClr>
+          </a:solidFill>
+          <a:ln w="12700">
+            <a:solidFill>
+              <a:schemeClr val="accent5">
+                <a:lumMod val="75000"/>
+              </a:schemeClr>
+            </a:solidFill>
+          </a:ln>
+        </p:spPr>
+        <p:style>
+          <a:lnRef idx="2">
+            <a:schemeClr val="accent1">
+              <a:shade val="50000"/>
+            </a:schemeClr>
+          </a:lnRef>
+          <a:fillRef idx="1">
+            <a:schemeClr val="accent1"/>
+          </a:fillRef>
+          <a:effectRef idx="0">
+            <a:schemeClr val="accent1"/>
+          </a:effectRef>
+          <a:fontRef idx="minor">
+            <a:schemeClr val="lt1"/>
+          </a:fontRef>
+        </p:style>
+        <p:txBody>
+          <a:bodyPr lIns="18000" tIns="18000" rIns="18000" bIns="18000" rtlCol="0" anchor="ctr"/>
+          <a:lstStyle/>
+          <a:p>
+            <a:pPr algn="ctr"/>
+            <a:r>
+              <a:rPr lang="en-CA" sz="1000" b="1" dirty="0">
+                <a:solidFill>
+                  <a:schemeClr val="accent5">
+                    <a:lumMod val="75000"/>
+                  </a:schemeClr>
+                </a:solidFill>
+              </a:rPr>
+              <a:t>Initializing</a:t>
+            </a:r>
+          </a:p>
+          <a:p>
+            <a:pPr algn="ctr"/>
+            <a:r>
+              <a:rPr lang="en-CA" sz="1000" dirty="0">
+                <a:solidFill>
+                  <a:schemeClr val="accent5">
+                    <a:lumMod val="75000"/>
+                  </a:schemeClr>
+                </a:solidFill>
+              </a:rPr>
+              <a:t>(i.e. </a:t>
+            </a:r>
+            <a:r>
+              <a:rPr lang="en-GB" sz="1000" dirty="0">
+                <a:solidFill>
+                  <a:schemeClr val="accent5">
+                    <a:lumMod val="75000"/>
+                  </a:schemeClr>
+                </a:solidFill>
+              </a:rPr>
+              <a:t>Initializing state variables with initial conditions)</a:t>
+            </a:r>
+            <a:endParaRPr lang="en-CA" sz="1000" dirty="0">
+              <a:solidFill>
+                <a:schemeClr val="accent5">
+                  <a:lumMod val="75000"/>
+                </a:schemeClr>
+              </a:solidFill>
+            </a:endParaRPr>
+          </a:p>
+        </p:txBody>
+      </p:sp>
+      <p:sp>
+        <p:nvSpPr>
+          <p:cNvPr id="6" name="Rectangle 5">
+            <a:extLst>
+              <a:ext uri="{FF2B5EF4-FFF2-40B4-BE49-F238E27FC236}">
+                <a16:creationId xmlns:a16="http://schemas.microsoft.com/office/drawing/2014/main" id="{8FD30394-AC8E-4F5F-B78C-77D91A59DC08}"/>
+              </a:ext>
+            </a:extLst>
+          </p:cNvPr>
+          <p:cNvSpPr/>
+          <p:nvPr/>
+        </p:nvSpPr>
+        <p:spPr>
+          <a:xfrm>
+            <a:off x="6649769" y="3912803"/>
+            <a:ext cx="1398808" cy="637257"/>
+          </a:xfrm>
+          <a:prstGeom prst="rect">
+            <a:avLst/>
+          </a:prstGeom>
+          <a:solidFill>
+            <a:schemeClr val="accent5">
+              <a:lumMod val="20000"/>
+              <a:lumOff val="80000"/>
+            </a:schemeClr>
+          </a:solidFill>
+          <a:ln w="12700">
+            <a:solidFill>
+              <a:schemeClr val="accent5">
+                <a:lumMod val="75000"/>
+              </a:schemeClr>
+            </a:solidFill>
+          </a:ln>
+        </p:spPr>
+        <p:style>
+          <a:lnRef idx="2">
+            <a:schemeClr val="accent1">
+              <a:shade val="50000"/>
+            </a:schemeClr>
+          </a:lnRef>
+          <a:fillRef idx="1">
+            <a:schemeClr val="accent1"/>
+          </a:fillRef>
+          <a:effectRef idx="0">
+            <a:schemeClr val="accent1"/>
+          </a:effectRef>
+          <a:fontRef idx="minor">
+            <a:schemeClr val="lt1"/>
+          </a:fontRef>
+        </p:style>
+        <p:txBody>
+          <a:bodyPr lIns="18000" tIns="18000" rIns="18000" bIns="18000" rtlCol="0" anchor="ctr"/>
+          <a:lstStyle/>
+          <a:p>
+            <a:pPr algn="ctr"/>
+            <a:r>
+              <a:rPr lang="en-GB" sz="1000" dirty="0">
+                <a:solidFill>
+                  <a:schemeClr val="accent5">
+                    <a:lumMod val="75000"/>
+                  </a:schemeClr>
+                </a:solidFill>
+              </a:rPr>
+              <a:t>main model equations</a:t>
+            </a:r>
+          </a:p>
+        </p:txBody>
+      </p:sp>
+      <p:sp>
+        <p:nvSpPr>
+          <p:cNvPr id="7" name="Rectangle 6">
+            <a:extLst>
+              <a:ext uri="{FF2B5EF4-FFF2-40B4-BE49-F238E27FC236}">
+                <a16:creationId xmlns:a16="http://schemas.microsoft.com/office/drawing/2014/main" id="{6F0E045C-2F09-4804-BB91-15C4D1E4A74A}"/>
+              </a:ext>
+            </a:extLst>
+          </p:cNvPr>
+          <p:cNvSpPr/>
+          <p:nvPr/>
+        </p:nvSpPr>
+        <p:spPr>
+          <a:xfrm>
+            <a:off x="4440355" y="5198867"/>
+            <a:ext cx="1848487" cy="548722"/>
+          </a:xfrm>
+          <a:prstGeom prst="rect">
+            <a:avLst/>
+          </a:prstGeom>
+          <a:solidFill>
+            <a:schemeClr val="accent5">
+              <a:lumMod val="20000"/>
+              <a:lumOff val="80000"/>
+            </a:schemeClr>
+          </a:solidFill>
+          <a:ln w="12700">
+            <a:solidFill>
+              <a:schemeClr val="accent5">
+                <a:lumMod val="75000"/>
+              </a:schemeClr>
+            </a:solidFill>
+          </a:ln>
+        </p:spPr>
+        <p:style>
+          <a:lnRef idx="2">
+            <a:schemeClr val="accent1">
+              <a:shade val="50000"/>
+            </a:schemeClr>
+          </a:lnRef>
+          <a:fillRef idx="1">
+            <a:schemeClr val="accent1"/>
+          </a:fillRef>
+          <a:effectRef idx="0">
+            <a:schemeClr val="accent1"/>
+          </a:effectRef>
+          <a:fontRef idx="minor">
+            <a:schemeClr val="lt1"/>
+          </a:fontRef>
+        </p:style>
+        <p:txBody>
+          <a:bodyPr lIns="18000" tIns="18000" rIns="18000" bIns="18000" rtlCol="0" anchor="ctr"/>
+          <a:lstStyle/>
+          <a:p>
+            <a:pPr algn="ctr"/>
+            <a:r>
+              <a:rPr lang="en-CA" sz="1000" b="1" dirty="0">
+                <a:solidFill>
+                  <a:schemeClr val="accent5">
+                    <a:lumMod val="75000"/>
+                  </a:schemeClr>
+                </a:solidFill>
+              </a:rPr>
+              <a:t>Cleanup</a:t>
+            </a:r>
+          </a:p>
+          <a:p>
+            <a:pPr algn="ctr"/>
+            <a:r>
+              <a:rPr lang="en-CA" sz="1000" dirty="0">
+                <a:solidFill>
+                  <a:schemeClr val="accent5">
+                    <a:lumMod val="75000"/>
+                  </a:schemeClr>
+                </a:solidFill>
+              </a:rPr>
+              <a:t>(i.e. Pack model out into data frame</a:t>
+            </a:r>
+            <a:r>
+              <a:rPr lang="en-GB" sz="1000" dirty="0">
+                <a:solidFill>
+                  <a:schemeClr val="accent5">
+                    <a:lumMod val="75000"/>
+                  </a:schemeClr>
+                </a:solidFill>
+              </a:rPr>
+              <a:t>)</a:t>
+            </a:r>
+            <a:endParaRPr lang="en-CA" sz="1000" dirty="0">
+              <a:solidFill>
+                <a:schemeClr val="accent5">
+                  <a:lumMod val="75000"/>
+                </a:schemeClr>
+              </a:solidFill>
+            </a:endParaRPr>
+          </a:p>
+        </p:txBody>
+      </p:sp>
+      <p:sp>
+        <p:nvSpPr>
+          <p:cNvPr id="9" name="Rectangle 8">
+            <a:extLst>
+              <a:ext uri="{FF2B5EF4-FFF2-40B4-BE49-F238E27FC236}">
+                <a16:creationId xmlns:a16="http://schemas.microsoft.com/office/drawing/2014/main" id="{F64C2A93-681F-48C9-9102-BF997A548CAA}"/>
+              </a:ext>
+            </a:extLst>
+          </p:cNvPr>
+          <p:cNvSpPr/>
+          <p:nvPr/>
+        </p:nvSpPr>
+        <p:spPr>
+          <a:xfrm>
+            <a:off x="4440354" y="6214609"/>
+            <a:ext cx="1848487" cy="548722"/>
+          </a:xfrm>
+          <a:prstGeom prst="rect">
+            <a:avLst/>
+          </a:prstGeom>
+          <a:solidFill>
+            <a:schemeClr val="accent5">
+              <a:lumMod val="20000"/>
+              <a:lumOff val="80000"/>
+            </a:schemeClr>
+          </a:solidFill>
+          <a:ln w="12700">
+            <a:solidFill>
+              <a:schemeClr val="accent5">
+                <a:lumMod val="75000"/>
+              </a:schemeClr>
+            </a:solidFill>
+          </a:ln>
+        </p:spPr>
+        <p:style>
+          <a:lnRef idx="2">
+            <a:schemeClr val="accent1">
+              <a:shade val="50000"/>
+            </a:schemeClr>
+          </a:lnRef>
+          <a:fillRef idx="1">
+            <a:schemeClr val="accent1"/>
+          </a:fillRef>
+          <a:effectRef idx="0">
+            <a:schemeClr val="accent1"/>
+          </a:effectRef>
+          <a:fontRef idx="minor">
+            <a:schemeClr val="lt1"/>
+          </a:fontRef>
+        </p:style>
+        <p:txBody>
+          <a:bodyPr lIns="18000" tIns="18000" rIns="18000" bIns="18000" rtlCol="0" anchor="ctr"/>
+          <a:lstStyle/>
+          <a:p>
+            <a:pPr algn="ctr"/>
+            <a:r>
+              <a:rPr lang="en-CA" sz="1000" b="1" dirty="0">
+                <a:solidFill>
+                  <a:schemeClr val="accent5">
+                    <a:lumMod val="75000"/>
+                  </a:schemeClr>
+                </a:solidFill>
+              </a:rPr>
+              <a:t>Plotting</a:t>
+            </a:r>
+          </a:p>
+          <a:p>
+            <a:pPr algn="ctr"/>
+            <a:r>
+              <a:rPr lang="en-CA" sz="1000" dirty="0">
+                <a:solidFill>
+                  <a:schemeClr val="accent5">
+                    <a:lumMod val="75000"/>
+                  </a:schemeClr>
+                </a:solidFill>
+              </a:rPr>
+              <a:t>(i.e. make plots</a:t>
+            </a:r>
+            <a:r>
+              <a:rPr lang="en-GB" sz="1000" dirty="0">
+                <a:solidFill>
+                  <a:schemeClr val="accent5">
+                    <a:lumMod val="75000"/>
+                  </a:schemeClr>
+                </a:solidFill>
+              </a:rPr>
+              <a:t>)</a:t>
+            </a:r>
+            <a:endParaRPr lang="en-CA" sz="1000" dirty="0">
+              <a:solidFill>
+                <a:schemeClr val="accent5">
+                  <a:lumMod val="75000"/>
+                </a:schemeClr>
+              </a:solidFill>
+            </a:endParaRPr>
+          </a:p>
+        </p:txBody>
+      </p:sp>
+      <p:cxnSp>
+        <p:nvCxnSpPr>
+          <p:cNvPr id="14" name="Straight Arrow Connector 13">
+            <a:extLst>
+              <a:ext uri="{FF2B5EF4-FFF2-40B4-BE49-F238E27FC236}">
+                <a16:creationId xmlns:a16="http://schemas.microsoft.com/office/drawing/2014/main" id="{3FB7E143-EEA2-4453-81F6-9229BEB56813}"/>
+              </a:ext>
+            </a:extLst>
+          </p:cNvPr>
+          <p:cNvCxnSpPr>
+            <a:stCxn id="7" idx="2"/>
+            <a:endCxn id="9" idx="0"/>
+          </p:cNvCxnSpPr>
+          <p:nvPr/>
+        </p:nvCxnSpPr>
+        <p:spPr>
+          <a:xfrm flipH="1">
+            <a:off x="5364598" y="5747589"/>
+            <a:ext cx="1" cy="467020"/>
+          </a:xfrm>
+          <a:prstGeom prst="straightConnector1">
+            <a:avLst/>
+          </a:prstGeom>
+          <a:ln w="19050">
+            <a:solidFill>
+              <a:schemeClr val="accent5">
+                <a:lumMod val="75000"/>
+              </a:schemeClr>
+            </a:solidFill>
+            <a:tailEnd type="triangle"/>
+          </a:ln>
+        </p:spPr>
+        <p:style>
+          <a:lnRef idx="1">
+            <a:schemeClr val="accent1"/>
+          </a:lnRef>
+          <a:fillRef idx="0">
+            <a:schemeClr val="accent1"/>
+          </a:fillRef>
+          <a:effectRef idx="0">
+            <a:schemeClr val="accent1"/>
+          </a:effectRef>
+          <a:fontRef idx="minor">
+            <a:schemeClr val="tx1"/>
+          </a:fontRef>
+        </p:style>
+      </p:cxnSp>
+      <p:cxnSp>
+        <p:nvCxnSpPr>
+          <p:cNvPr id="16" name="Straight Arrow Connector 15">
+            <a:extLst>
+              <a:ext uri="{FF2B5EF4-FFF2-40B4-BE49-F238E27FC236}">
+                <a16:creationId xmlns:a16="http://schemas.microsoft.com/office/drawing/2014/main" id="{FFC30981-8EBA-4931-8B60-D1D38C79FD80}"/>
+              </a:ext>
+            </a:extLst>
+          </p:cNvPr>
+          <p:cNvCxnSpPr>
+            <a:cxnSpLocks/>
+            <a:stCxn id="30" idx="2"/>
+            <a:endCxn id="7" idx="0"/>
+          </p:cNvCxnSpPr>
+          <p:nvPr/>
+        </p:nvCxnSpPr>
+        <p:spPr>
+          <a:xfrm>
+            <a:off x="5364598" y="4850498"/>
+            <a:ext cx="1" cy="348369"/>
+          </a:xfrm>
+          <a:prstGeom prst="straightConnector1">
+            <a:avLst/>
+          </a:prstGeom>
+          <a:ln w="19050">
+            <a:solidFill>
+              <a:schemeClr val="accent5">
+                <a:lumMod val="75000"/>
+              </a:schemeClr>
+            </a:solidFill>
+            <a:tailEnd type="triangle"/>
+          </a:ln>
+        </p:spPr>
+        <p:style>
+          <a:lnRef idx="1">
+            <a:schemeClr val="accent1"/>
+          </a:lnRef>
+          <a:fillRef idx="0">
+            <a:schemeClr val="accent1"/>
+          </a:fillRef>
+          <a:effectRef idx="0">
+            <a:schemeClr val="accent1"/>
+          </a:effectRef>
+          <a:fontRef idx="minor">
+            <a:schemeClr val="tx1"/>
+          </a:fontRef>
+        </p:style>
+      </p:cxnSp>
+      <p:cxnSp>
+        <p:nvCxnSpPr>
+          <p:cNvPr id="24" name="Straight Arrow Connector 23">
+            <a:extLst>
+              <a:ext uri="{FF2B5EF4-FFF2-40B4-BE49-F238E27FC236}">
+                <a16:creationId xmlns:a16="http://schemas.microsoft.com/office/drawing/2014/main" id="{0EA34683-5D3E-4CBC-8905-2F7CC2891AE9}"/>
+              </a:ext>
+            </a:extLst>
+          </p:cNvPr>
+          <p:cNvCxnSpPr>
+            <a:cxnSpLocks/>
+            <a:stCxn id="5" idx="2"/>
+            <a:endCxn id="30" idx="0"/>
+          </p:cNvCxnSpPr>
+          <p:nvPr/>
+        </p:nvCxnSpPr>
+        <p:spPr>
+          <a:xfrm>
+            <a:off x="5364598" y="3328133"/>
+            <a:ext cx="0" cy="292335"/>
+          </a:xfrm>
+          <a:prstGeom prst="straightConnector1">
+            <a:avLst/>
+          </a:prstGeom>
+          <a:ln w="19050">
+            <a:solidFill>
+              <a:schemeClr val="accent5">
+                <a:lumMod val="75000"/>
+              </a:schemeClr>
+            </a:solidFill>
+            <a:tailEnd type="triangle"/>
+          </a:ln>
+        </p:spPr>
+        <p:style>
+          <a:lnRef idx="1">
+            <a:schemeClr val="accent1"/>
+          </a:lnRef>
+          <a:fillRef idx="0">
+            <a:schemeClr val="accent1"/>
+          </a:fillRef>
+          <a:effectRef idx="0">
+            <a:schemeClr val="accent1"/>
+          </a:effectRef>
+          <a:fontRef idx="minor">
+            <a:schemeClr val="tx1"/>
+          </a:fontRef>
+        </p:style>
+      </p:cxnSp>
+      <p:sp>
+        <p:nvSpPr>
+          <p:cNvPr id="30" name="Diamond 29">
+            <a:extLst>
+              <a:ext uri="{FF2B5EF4-FFF2-40B4-BE49-F238E27FC236}">
+                <a16:creationId xmlns:a16="http://schemas.microsoft.com/office/drawing/2014/main" id="{B1996E75-1FD8-4FDA-841B-9CFC6FDEB1EE}"/>
+              </a:ext>
+            </a:extLst>
+          </p:cNvPr>
+          <p:cNvSpPr/>
+          <p:nvPr/>
+        </p:nvSpPr>
+        <p:spPr>
+          <a:xfrm>
+            <a:off x="4533748" y="3620468"/>
+            <a:ext cx="1661700" cy="1230030"/>
+          </a:xfrm>
+          <a:prstGeom prst="diamond">
+            <a:avLst/>
+          </a:prstGeom>
+          <a:solidFill>
+            <a:schemeClr val="accent5">
+              <a:lumMod val="20000"/>
+              <a:lumOff val="80000"/>
+            </a:schemeClr>
+          </a:solidFill>
+          <a:ln>
+            <a:solidFill>
+              <a:schemeClr val="accent5">
+                <a:lumMod val="75000"/>
+              </a:schemeClr>
+            </a:solidFill>
+          </a:ln>
+        </p:spPr>
+        <p:style>
+          <a:lnRef idx="2">
+            <a:schemeClr val="accent1">
+              <a:shade val="50000"/>
+            </a:schemeClr>
+          </a:lnRef>
+          <a:fillRef idx="1">
+            <a:schemeClr val="accent1"/>
+          </a:fillRef>
+          <a:effectRef idx="0">
+            <a:schemeClr val="accent1"/>
+          </a:effectRef>
+          <a:fontRef idx="minor">
+            <a:schemeClr val="lt1"/>
+          </a:fontRef>
+        </p:style>
+        <p:txBody>
+          <a:bodyPr rtlCol="0" anchor="ctr"/>
+          <a:lstStyle/>
+          <a:p>
+            <a:pPr algn="ctr"/>
+            <a:endParaRPr lang="en-CA" sz="1050" dirty="0">
+              <a:solidFill>
+                <a:schemeClr val="accent5">
+                  <a:lumMod val="75000"/>
+                </a:schemeClr>
+              </a:solidFill>
+            </a:endParaRPr>
+          </a:p>
+        </p:txBody>
+      </p:sp>
+      <p:sp>
+        <p:nvSpPr>
+          <p:cNvPr id="44" name="TextBox 43">
+            <a:extLst>
+              <a:ext uri="{FF2B5EF4-FFF2-40B4-BE49-F238E27FC236}">
+                <a16:creationId xmlns:a16="http://schemas.microsoft.com/office/drawing/2014/main" id="{52A78BCB-9067-4841-A731-62F0C065851B}"/>
+              </a:ext>
+            </a:extLst>
+          </p:cNvPr>
+          <p:cNvSpPr txBox="1"/>
+          <p:nvPr/>
+        </p:nvSpPr>
+        <p:spPr>
+          <a:xfrm>
+            <a:off x="4658359" y="4000560"/>
+            <a:ext cx="1437641" cy="407804"/>
+          </a:xfrm>
+          <a:prstGeom prst="rect">
+            <a:avLst/>
+          </a:prstGeom>
+          <a:noFill/>
+        </p:spPr>
+        <p:txBody>
+          <a:bodyPr wrap="square" rtlCol="0">
+            <a:spAutoFit/>
+          </a:bodyPr>
+          <a:lstStyle/>
+          <a:p>
+            <a:pPr algn="ctr"/>
+            <a:r>
+              <a:rPr lang="en-CA" sz="1000" b="1" dirty="0">
+                <a:solidFill>
+                  <a:schemeClr val="accent5">
+                    <a:lumMod val="75000"/>
+                  </a:schemeClr>
+                </a:solidFill>
+              </a:rPr>
+              <a:t>MAIN MODEL LOOP</a:t>
+            </a:r>
+          </a:p>
+          <a:p>
+            <a:pPr algn="ctr"/>
+            <a:r>
+              <a:rPr lang="en-CA" sz="1050" b="1" dirty="0">
+                <a:solidFill>
+                  <a:schemeClr val="accent5">
+                    <a:lumMod val="75000"/>
+                  </a:schemeClr>
+                </a:solidFill>
+              </a:rPr>
+              <a:t>for</a:t>
+            </a:r>
+            <a:r>
+              <a:rPr lang="en-CA" sz="1050" dirty="0">
+                <a:solidFill>
+                  <a:schemeClr val="accent5">
+                    <a:lumMod val="75000"/>
+                  </a:schemeClr>
+                </a:solidFill>
+              </a:rPr>
+              <a:t>(t in 1:(NoSTEPS-1))</a:t>
+            </a:r>
+          </a:p>
+        </p:txBody>
+      </p:sp>
+      <p:cxnSp>
+        <p:nvCxnSpPr>
+          <p:cNvPr id="63" name="Straight Arrow Connector 62">
+            <a:extLst>
+              <a:ext uri="{FF2B5EF4-FFF2-40B4-BE49-F238E27FC236}">
+                <a16:creationId xmlns:a16="http://schemas.microsoft.com/office/drawing/2014/main" id="{E23B0D8E-ED77-4E32-A092-1B1797842107}"/>
+              </a:ext>
+            </a:extLst>
+          </p:cNvPr>
+          <p:cNvCxnSpPr>
+            <a:cxnSpLocks/>
+            <a:stCxn id="30" idx="3"/>
+            <a:endCxn id="6" idx="1"/>
+          </p:cNvCxnSpPr>
+          <p:nvPr/>
+        </p:nvCxnSpPr>
+        <p:spPr>
+          <a:xfrm flipV="1">
+            <a:off x="6195448" y="4231432"/>
+            <a:ext cx="454321" cy="4051"/>
+          </a:xfrm>
+          <a:prstGeom prst="straightConnector1">
+            <a:avLst/>
+          </a:prstGeom>
+          <a:ln w="19050">
+            <a:solidFill>
+              <a:schemeClr val="accent5">
+                <a:lumMod val="75000"/>
+              </a:schemeClr>
+            </a:solidFill>
+            <a:tailEnd type="triangle"/>
+          </a:ln>
+        </p:spPr>
+        <p:style>
+          <a:lnRef idx="1">
+            <a:schemeClr val="accent1"/>
+          </a:lnRef>
+          <a:fillRef idx="0">
+            <a:schemeClr val="accent1"/>
+          </a:fillRef>
+          <a:effectRef idx="0">
+            <a:schemeClr val="accent1"/>
+          </a:effectRef>
+          <a:fontRef idx="minor">
+            <a:schemeClr val="tx1"/>
+          </a:fontRef>
+        </p:style>
+      </p:cxnSp>
+      <p:cxnSp>
+        <p:nvCxnSpPr>
+          <p:cNvPr id="67" name="Connector: Elbow 66">
+            <a:extLst>
+              <a:ext uri="{FF2B5EF4-FFF2-40B4-BE49-F238E27FC236}">
+                <a16:creationId xmlns:a16="http://schemas.microsoft.com/office/drawing/2014/main" id="{F52E55B3-3436-4F17-8399-3980593D2DFF}"/>
+              </a:ext>
+            </a:extLst>
+          </p:cNvPr>
+          <p:cNvCxnSpPr>
+            <a:cxnSpLocks/>
+            <a:stCxn id="6" idx="0"/>
+          </p:cNvCxnSpPr>
+          <p:nvPr/>
+        </p:nvCxnSpPr>
+        <p:spPr>
+          <a:xfrm rot="16200000" flipV="1">
+            <a:off x="6126404" y="2690033"/>
+            <a:ext cx="460965" cy="1984575"/>
+          </a:xfrm>
+          <a:prstGeom prst="bentConnector2">
+            <a:avLst/>
+          </a:prstGeom>
+          <a:ln w="19050">
+            <a:solidFill>
+              <a:schemeClr val="accent5">
+                <a:lumMod val="75000"/>
+              </a:schemeClr>
+            </a:solidFill>
+            <a:tailEnd type="triangle"/>
+          </a:ln>
+        </p:spPr>
+        <p:style>
+          <a:lnRef idx="1">
+            <a:schemeClr val="accent1"/>
+          </a:lnRef>
+          <a:fillRef idx="0">
+            <a:schemeClr val="accent1"/>
+          </a:fillRef>
+          <a:effectRef idx="0">
+            <a:schemeClr val="accent1"/>
+          </a:effectRef>
+          <a:fontRef idx="minor">
+            <a:schemeClr val="tx1"/>
+          </a:fontRef>
+        </p:style>
+      </p:cxnSp>
+      <p:cxnSp>
+        <p:nvCxnSpPr>
+          <p:cNvPr id="72" name="Straight Arrow Connector 71">
+            <a:extLst>
+              <a:ext uri="{FF2B5EF4-FFF2-40B4-BE49-F238E27FC236}">
+                <a16:creationId xmlns:a16="http://schemas.microsoft.com/office/drawing/2014/main" id="{D8864C2C-243A-4B7A-91D3-3190A29B8998}"/>
+              </a:ext>
+            </a:extLst>
+          </p:cNvPr>
+          <p:cNvCxnSpPr>
+            <a:cxnSpLocks/>
+            <a:stCxn id="4" idx="2"/>
+            <a:endCxn id="5" idx="0"/>
+          </p:cNvCxnSpPr>
+          <p:nvPr/>
+        </p:nvCxnSpPr>
+        <p:spPr>
+          <a:xfrm>
+            <a:off x="5364596" y="2420094"/>
+            <a:ext cx="2" cy="359317"/>
+          </a:xfrm>
+          <a:prstGeom prst="straightConnector1">
+            <a:avLst/>
+          </a:prstGeom>
+          <a:ln w="19050">
+            <a:solidFill>
+              <a:schemeClr val="accent5">
+                <a:lumMod val="75000"/>
+              </a:schemeClr>
+            </a:solidFill>
+            <a:tailEnd type="triangle"/>
+          </a:ln>
+        </p:spPr>
+        <p:style>
+          <a:lnRef idx="1">
+            <a:schemeClr val="accent1"/>
+          </a:lnRef>
+          <a:fillRef idx="0">
+            <a:schemeClr val="accent1"/>
+          </a:fillRef>
+          <a:effectRef idx="0">
+            <a:schemeClr val="accent1"/>
+          </a:effectRef>
+          <a:fontRef idx="minor">
+            <a:schemeClr val="tx1"/>
+          </a:fontRef>
+        </p:style>
+      </p:cxnSp>
+      <p:cxnSp>
+        <p:nvCxnSpPr>
+          <p:cNvPr id="75" name="Straight Arrow Connector 74">
+            <a:extLst>
+              <a:ext uri="{FF2B5EF4-FFF2-40B4-BE49-F238E27FC236}">
+                <a16:creationId xmlns:a16="http://schemas.microsoft.com/office/drawing/2014/main" id="{28AA2E4A-1EAA-4CE9-B025-281ECA29BD31}"/>
+              </a:ext>
+            </a:extLst>
+          </p:cNvPr>
+          <p:cNvCxnSpPr>
+            <a:cxnSpLocks/>
+            <a:stCxn id="3" idx="2"/>
+            <a:endCxn id="4" idx="0"/>
+          </p:cNvCxnSpPr>
+          <p:nvPr/>
+        </p:nvCxnSpPr>
+        <p:spPr>
+          <a:xfrm>
+            <a:off x="5364596" y="1496521"/>
+            <a:ext cx="0" cy="374851"/>
+          </a:xfrm>
+          <a:prstGeom prst="straightConnector1">
+            <a:avLst/>
+          </a:prstGeom>
+          <a:ln w="19050">
+            <a:solidFill>
+              <a:schemeClr val="accent5">
+                <a:lumMod val="75000"/>
+              </a:schemeClr>
+            </a:solidFill>
+            <a:tailEnd type="triangle"/>
+          </a:ln>
+        </p:spPr>
+        <p:style>
+          <a:lnRef idx="1">
+            <a:schemeClr val="accent1"/>
+          </a:lnRef>
+          <a:fillRef idx="0">
+            <a:schemeClr val="accent1"/>
+          </a:fillRef>
+          <a:effectRef idx="0">
+            <a:schemeClr val="accent1"/>
+          </a:effectRef>
+          <a:fontRef idx="minor">
+            <a:schemeClr val="tx1"/>
+          </a:fontRef>
+        </p:style>
+      </p:cxnSp>
+      <p:cxnSp>
+        <p:nvCxnSpPr>
+          <p:cNvPr id="78" name="Straight Arrow Connector 77">
+            <a:extLst>
+              <a:ext uri="{FF2B5EF4-FFF2-40B4-BE49-F238E27FC236}">
+                <a16:creationId xmlns:a16="http://schemas.microsoft.com/office/drawing/2014/main" id="{A0CE16DD-A512-4DA0-B839-B7B1F092180F}"/>
+              </a:ext>
+            </a:extLst>
+          </p:cNvPr>
+          <p:cNvCxnSpPr>
+            <a:cxnSpLocks/>
+            <a:stCxn id="2" idx="2"/>
+            <a:endCxn id="3" idx="0"/>
+          </p:cNvCxnSpPr>
+          <p:nvPr/>
+        </p:nvCxnSpPr>
+        <p:spPr>
+          <a:xfrm flipH="1">
+            <a:off x="5364596" y="542893"/>
+            <a:ext cx="1" cy="348369"/>
+          </a:xfrm>
+          <a:prstGeom prst="straightConnector1">
+            <a:avLst/>
+          </a:prstGeom>
+          <a:ln w="19050">
+            <a:solidFill>
+              <a:schemeClr val="accent5">
+                <a:lumMod val="75000"/>
+              </a:schemeClr>
+            </a:solidFill>
+            <a:tailEnd type="triangle"/>
+          </a:ln>
+        </p:spPr>
+        <p:style>
+          <a:lnRef idx="1">
+            <a:schemeClr val="accent1"/>
+          </a:lnRef>
+          <a:fillRef idx="0">
+            <a:schemeClr val="accent1"/>
+          </a:fillRef>
+          <a:effectRef idx="0">
+            <a:schemeClr val="accent1"/>
+          </a:effectRef>
+          <a:fontRef idx="minor">
+            <a:schemeClr val="tx1"/>
+          </a:fontRef>
+        </p:style>
+      </p:cxnSp>
     </p:spTree>
     <p:extLst>
       <p:ext uri="{BB962C8B-B14F-4D97-AF65-F5344CB8AC3E}">
